--- a/Python-Slides/List-in-Python-Session#6.pptx
+++ b/Python-Slides/List-in-Python-Session#6.pptx
@@ -13,6 +13,11 @@
     <p:sldId id="260" r:id="rId7"/>
     <p:sldId id="261" r:id="rId8"/>
     <p:sldId id="263" r:id="rId9"/>
+    <p:sldId id="267" r:id="rId10"/>
+    <p:sldId id="268" r:id="rId11"/>
+    <p:sldId id="264" r:id="rId12"/>
+    <p:sldId id="265" r:id="rId13"/>
+    <p:sldId id="266" r:id="rId14"/>
   </p:sldIdLst>
   <p:sldSz cx="12192000" cy="6858000"/>
   <p:notesSz cx="6858000" cy="9144000"/>
@@ -268,7 +273,7 @@
           <a:p>
             <a:fld id="{D5F83B19-72E3-4034-9A42-DCBC38A3213F}" type="datetimeFigureOut">
               <a:rPr lang="en-IN" smtClean="0"/>
-              <a:t>17-11-2020</a:t>
+              <a:t>23-07-2021</a:t>
             </a:fld>
             <a:endParaRPr lang="en-IN"/>
           </a:p>
@@ -468,7 +473,7 @@
           <a:p>
             <a:fld id="{D5F83B19-72E3-4034-9A42-DCBC38A3213F}" type="datetimeFigureOut">
               <a:rPr lang="en-IN" smtClean="0"/>
-              <a:t>17-11-2020</a:t>
+              <a:t>23-07-2021</a:t>
             </a:fld>
             <a:endParaRPr lang="en-IN"/>
           </a:p>
@@ -678,7 +683,7 @@
           <a:p>
             <a:fld id="{D5F83B19-72E3-4034-9A42-DCBC38A3213F}" type="datetimeFigureOut">
               <a:rPr lang="en-IN" smtClean="0"/>
-              <a:t>17-11-2020</a:t>
+              <a:t>23-07-2021</a:t>
             </a:fld>
             <a:endParaRPr lang="en-IN"/>
           </a:p>
@@ -878,7 +883,7 @@
           <a:p>
             <a:fld id="{D5F83B19-72E3-4034-9A42-DCBC38A3213F}" type="datetimeFigureOut">
               <a:rPr lang="en-IN" smtClean="0"/>
-              <a:t>17-11-2020</a:t>
+              <a:t>23-07-2021</a:t>
             </a:fld>
             <a:endParaRPr lang="en-IN"/>
           </a:p>
@@ -1154,7 +1159,7 @@
           <a:p>
             <a:fld id="{D5F83B19-72E3-4034-9A42-DCBC38A3213F}" type="datetimeFigureOut">
               <a:rPr lang="en-IN" smtClean="0"/>
-              <a:t>17-11-2020</a:t>
+              <a:t>23-07-2021</a:t>
             </a:fld>
             <a:endParaRPr lang="en-IN"/>
           </a:p>
@@ -1422,7 +1427,7 @@
           <a:p>
             <a:fld id="{D5F83B19-72E3-4034-9A42-DCBC38A3213F}" type="datetimeFigureOut">
               <a:rPr lang="en-IN" smtClean="0"/>
-              <a:t>17-11-2020</a:t>
+              <a:t>23-07-2021</a:t>
             </a:fld>
             <a:endParaRPr lang="en-IN"/>
           </a:p>
@@ -1837,7 +1842,7 @@
           <a:p>
             <a:fld id="{D5F83B19-72E3-4034-9A42-DCBC38A3213F}" type="datetimeFigureOut">
               <a:rPr lang="en-IN" smtClean="0"/>
-              <a:t>17-11-2020</a:t>
+              <a:t>23-07-2021</a:t>
             </a:fld>
             <a:endParaRPr lang="en-IN"/>
           </a:p>
@@ -1979,7 +1984,7 @@
           <a:p>
             <a:fld id="{D5F83B19-72E3-4034-9A42-DCBC38A3213F}" type="datetimeFigureOut">
               <a:rPr lang="en-IN" smtClean="0"/>
-              <a:t>17-11-2020</a:t>
+              <a:t>23-07-2021</a:t>
             </a:fld>
             <a:endParaRPr lang="en-IN"/>
           </a:p>
@@ -2092,7 +2097,7 @@
           <a:p>
             <a:fld id="{D5F83B19-72E3-4034-9A42-DCBC38A3213F}" type="datetimeFigureOut">
               <a:rPr lang="en-IN" smtClean="0"/>
-              <a:t>17-11-2020</a:t>
+              <a:t>23-07-2021</a:t>
             </a:fld>
             <a:endParaRPr lang="en-IN"/>
           </a:p>
@@ -2405,7 +2410,7 @@
           <a:p>
             <a:fld id="{D5F83B19-72E3-4034-9A42-DCBC38A3213F}" type="datetimeFigureOut">
               <a:rPr lang="en-IN" smtClean="0"/>
-              <a:t>17-11-2020</a:t>
+              <a:t>23-07-2021</a:t>
             </a:fld>
             <a:endParaRPr lang="en-IN"/>
           </a:p>
@@ -2694,7 +2699,7 @@
           <a:p>
             <a:fld id="{D5F83B19-72E3-4034-9A42-DCBC38A3213F}" type="datetimeFigureOut">
               <a:rPr lang="en-IN" smtClean="0"/>
-              <a:t>17-11-2020</a:t>
+              <a:t>23-07-2021</a:t>
             </a:fld>
             <a:endParaRPr lang="en-IN"/>
           </a:p>
@@ -2937,7 +2942,7 @@
           <a:p>
             <a:fld id="{D5F83B19-72E3-4034-9A42-DCBC38A3213F}" type="datetimeFigureOut">
               <a:rPr lang="en-IN" smtClean="0"/>
-              <a:t>17-11-2020</a:t>
+              <a:t>23-07-2021</a:t>
             </a:fld>
             <a:endParaRPr lang="en-IN"/>
           </a:p>
@@ -3370,7 +3375,12 @@
             <p:ph type="title"/>
           </p:nvPr>
         </p:nvSpPr>
-        <p:spPr/>
+        <p:spPr>
+          <a:xfrm>
+            <a:off x="838200" y="365125"/>
+            <a:ext cx="10515600" cy="709073"/>
+          </a:xfrm>
+        </p:spPr>
         <p:txBody>
           <a:bodyPr/>
           <a:lstStyle/>
@@ -3414,34 +3424,34 @@
           </a:p>
           <a:p>
             <a:r>
-              <a:rPr lang="en-US" dirty="0"/>
+              <a:rPr lang="en-US" sz="2400" dirty="0"/>
               <a:t>A List is a data structure in Python that is mutable, or changeable, ordered sequence of elements. </a:t>
             </a:r>
           </a:p>
           <a:p>
             <a:r>
-              <a:rPr lang="en-US" dirty="0"/>
+              <a:rPr lang="en-US" sz="2400" dirty="0"/>
               <a:t>Each element or value that is inside of a list is called an item. </a:t>
             </a:r>
           </a:p>
           <a:p>
             <a:r>
-              <a:rPr lang="en-US" dirty="0"/>
+              <a:rPr lang="en-US" sz="2400" dirty="0"/>
               <a:t>List is denoted by square brackets.[]</a:t>
             </a:r>
           </a:p>
           <a:p>
             <a:r>
-              <a:rPr lang="en-US" dirty="0"/>
+              <a:rPr lang="en-US" sz="2400" dirty="0"/>
               <a:t>A list can store a sequence of objects.</a:t>
             </a:r>
           </a:p>
           <a:p>
             <a:r>
-              <a:rPr lang="en-US" dirty="0"/>
+              <a:rPr lang="en-US" sz="2400" dirty="0"/>
               <a:t>These objects can be of various types.</a:t>
             </a:r>
-            <a:endParaRPr lang="en-IN" dirty="0"/>
+            <a:endParaRPr lang="en-IN" sz="2400" dirty="0"/>
           </a:p>
         </p:txBody>
       </p:sp>
@@ -3449,6 +3459,1206 @@
     <p:extLst>
       <p:ext uri="{BB962C8B-B14F-4D97-AF65-F5344CB8AC3E}">
         <p14:creationId xmlns:p14="http://schemas.microsoft.com/office/powerpoint/2010/main" val="1135213955"/>
+      </p:ext>
+    </p:extLst>
+  </p:cSld>
+  <p:clrMapOvr>
+    <a:masterClrMapping/>
+  </p:clrMapOvr>
+</p:sld>
+</file>
+
+<file path=ppt/slides/slide10.xml><?xml version="1.0" encoding="utf-8"?>
+<p:sld xmlns:a="http://schemas.openxmlformats.org/drawingml/2006/main" xmlns:r="http://schemas.openxmlformats.org/officeDocument/2006/relationships" xmlns:p="http://schemas.openxmlformats.org/presentationml/2006/main">
+  <p:cSld>
+    <p:spTree>
+      <p:nvGrpSpPr>
+        <p:cNvPr id="1" name=""/>
+        <p:cNvGrpSpPr/>
+        <p:nvPr/>
+      </p:nvGrpSpPr>
+      <p:grpSpPr>
+        <a:xfrm>
+          <a:off x="0" y="0"/>
+          <a:ext cx="0" cy="0"/>
+          <a:chOff x="0" y="0"/>
+          <a:chExt cx="0" cy="0"/>
+        </a:xfrm>
+      </p:grpSpPr>
+      <p:sp>
+        <p:nvSpPr>
+          <p:cNvPr id="2" name="Title 1">
+            <a:extLst>
+              <a:ext uri="{FF2B5EF4-FFF2-40B4-BE49-F238E27FC236}">
+                <a16:creationId xmlns:a16="http://schemas.microsoft.com/office/drawing/2014/main" id="{855D5716-9442-458B-8CD1-2D41B166F837}"/>
+              </a:ext>
+            </a:extLst>
+          </p:cNvPr>
+          <p:cNvSpPr>
+            <a:spLocks noGrp="1"/>
+          </p:cNvSpPr>
+          <p:nvPr>
+            <p:ph type="title"/>
+          </p:nvPr>
+        </p:nvSpPr>
+        <p:spPr>
+          <a:xfrm>
+            <a:off x="838200" y="365125"/>
+            <a:ext cx="10515600" cy="611419"/>
+          </a:xfrm>
+        </p:spPr>
+        <p:txBody>
+          <a:bodyPr>
+            <a:normAutofit fontScale="90000"/>
+          </a:bodyPr>
+          <a:lstStyle/>
+          <a:p>
+            <a:r>
+              <a:rPr lang="en-US" dirty="0"/>
+              <a:t>2D Lists</a:t>
+            </a:r>
+            <a:endParaRPr lang="en-IN" dirty="0"/>
+          </a:p>
+        </p:txBody>
+      </p:sp>
+      <p:sp>
+        <p:nvSpPr>
+          <p:cNvPr id="3" name="Content Placeholder 2">
+            <a:extLst>
+              <a:ext uri="{FF2B5EF4-FFF2-40B4-BE49-F238E27FC236}">
+                <a16:creationId xmlns:a16="http://schemas.microsoft.com/office/drawing/2014/main" id="{F5833D3B-E973-45F8-B059-9045BB5FFA4C}"/>
+              </a:ext>
+            </a:extLst>
+          </p:cNvPr>
+          <p:cNvSpPr>
+            <a:spLocks noGrp="1"/>
+          </p:cNvSpPr>
+          <p:nvPr>
+            <p:ph idx="1"/>
+          </p:nvPr>
+        </p:nvSpPr>
+        <p:spPr>
+          <a:xfrm>
+            <a:off x="838200" y="1127464"/>
+            <a:ext cx="11353800" cy="5730536"/>
+          </a:xfrm>
+        </p:spPr>
+        <p:txBody>
+          <a:bodyPr>
+            <a:normAutofit lnSpcReduction="10000"/>
+          </a:bodyPr>
+          <a:lstStyle/>
+          <a:p>
+            <a:pPr marL="0" indent="0">
+              <a:buNone/>
+            </a:pPr>
+            <a:r>
+              <a:rPr lang="en-US" sz="2000" dirty="0"/>
+              <a:t>&gt;&gt; </a:t>
+            </a:r>
+            <a:r>
+              <a:rPr lang="en-US" sz="2000" dirty="0" err="1"/>
+              <a:t>number_grid</a:t>
+            </a:r>
+            <a:r>
+              <a:rPr lang="en-US" sz="2000" dirty="0"/>
+              <a:t>=[</a:t>
+            </a:r>
+          </a:p>
+          <a:p>
+            <a:pPr marL="0" indent="0">
+              <a:buNone/>
+            </a:pPr>
+            <a:r>
+              <a:rPr lang="en-US" sz="2000" dirty="0"/>
+              <a:t>  [1,2,3],</a:t>
+            </a:r>
+          </a:p>
+          <a:p>
+            <a:pPr marL="0" indent="0">
+              <a:buNone/>
+            </a:pPr>
+            <a:r>
+              <a:rPr lang="en-US" sz="2000" dirty="0"/>
+              <a:t>  [4,5,6],</a:t>
+            </a:r>
+          </a:p>
+          <a:p>
+            <a:pPr marL="0" indent="0">
+              <a:buNone/>
+            </a:pPr>
+            <a:r>
+              <a:rPr lang="en-US" sz="2000" dirty="0"/>
+              <a:t>   [7,8,9],</a:t>
+            </a:r>
+          </a:p>
+          <a:p>
+            <a:pPr marL="0" indent="0">
+              <a:buNone/>
+            </a:pPr>
+            <a:r>
+              <a:rPr lang="en-US" sz="2000" dirty="0"/>
+              <a:t>  [0]</a:t>
+            </a:r>
+          </a:p>
+          <a:p>
+            <a:pPr marL="0" indent="0">
+              <a:buNone/>
+            </a:pPr>
+            <a:r>
+              <a:rPr lang="en-US" sz="2000" dirty="0"/>
+              <a:t>]</a:t>
+            </a:r>
+          </a:p>
+          <a:p>
+            <a:pPr marL="0" indent="0">
+              <a:buNone/>
+            </a:pPr>
+            <a:r>
+              <a:rPr lang="en-IN" sz="2000" dirty="0">
+                <a:solidFill>
+                  <a:srgbClr val="FF0000"/>
+                </a:solidFill>
+              </a:rPr>
+              <a:t>#To access items from 2D list:</a:t>
+            </a:r>
+          </a:p>
+          <a:p>
+            <a:pPr marL="0" indent="0">
+              <a:buNone/>
+            </a:pPr>
+            <a:r>
+              <a:rPr lang="en-IN" sz="2000" dirty="0"/>
+              <a:t>&gt;&gt;print(</a:t>
+            </a:r>
+            <a:r>
+              <a:rPr lang="en-IN" sz="2000" dirty="0" err="1"/>
+              <a:t>number_grid</a:t>
+            </a:r>
+            <a:r>
+              <a:rPr lang="en-IN" sz="2000" dirty="0"/>
+              <a:t>[0][0])</a:t>
+            </a:r>
+          </a:p>
+          <a:p>
+            <a:pPr marL="0" indent="0">
+              <a:buNone/>
+            </a:pPr>
+            <a:r>
+              <a:rPr lang="en-IN" sz="2000" dirty="0">
+                <a:solidFill>
+                  <a:srgbClr val="FF0000"/>
+                </a:solidFill>
+              </a:rPr>
+              <a:t>#Using nested for loops:</a:t>
+            </a:r>
+          </a:p>
+          <a:p>
+            <a:pPr marL="0" indent="0">
+              <a:buNone/>
+            </a:pPr>
+            <a:r>
+              <a:rPr lang="en-IN" sz="2000" dirty="0"/>
+              <a:t>&gt;&gt;for row in </a:t>
+            </a:r>
+            <a:r>
+              <a:rPr lang="en-IN" sz="2000" dirty="0" err="1"/>
+              <a:t>number_grid</a:t>
+            </a:r>
+            <a:r>
+              <a:rPr lang="en-IN" sz="2000" dirty="0"/>
+              <a:t>:</a:t>
+            </a:r>
+          </a:p>
+          <a:p>
+            <a:pPr marL="0" indent="0">
+              <a:buNone/>
+            </a:pPr>
+            <a:r>
+              <a:rPr lang="en-IN" sz="2000" dirty="0"/>
+              <a:t>	print(row)</a:t>
+            </a:r>
+          </a:p>
+          <a:p>
+            <a:pPr marL="0" indent="0">
+              <a:buNone/>
+            </a:pPr>
+            <a:r>
+              <a:rPr lang="en-IN" sz="2000" dirty="0"/>
+              <a:t>#OR</a:t>
+            </a:r>
+          </a:p>
+          <a:p>
+            <a:pPr marL="0" indent="0">
+              <a:buNone/>
+            </a:pPr>
+            <a:r>
+              <a:rPr lang="en-IN" sz="2000" dirty="0"/>
+              <a:t>&gt;&gt;for row in </a:t>
+            </a:r>
+            <a:r>
+              <a:rPr lang="en-IN" sz="2000" dirty="0" err="1"/>
+              <a:t>number_grid</a:t>
+            </a:r>
+            <a:r>
+              <a:rPr lang="en-IN" sz="2000" dirty="0"/>
+              <a:t>:</a:t>
+            </a:r>
+          </a:p>
+          <a:p>
+            <a:pPr marL="0" indent="0">
+              <a:buNone/>
+            </a:pPr>
+            <a:r>
+              <a:rPr lang="en-IN" sz="2000" dirty="0"/>
+              <a:t>	for col in row:</a:t>
+            </a:r>
+          </a:p>
+          <a:p>
+            <a:pPr marL="0" indent="0">
+              <a:buNone/>
+            </a:pPr>
+            <a:r>
+              <a:rPr lang="en-IN" sz="2000" dirty="0"/>
+              <a:t>	     print(col)</a:t>
+            </a:r>
+          </a:p>
+        </p:txBody>
+      </p:sp>
+    </p:spTree>
+    <p:extLst>
+      <p:ext uri="{BB962C8B-B14F-4D97-AF65-F5344CB8AC3E}">
+        <p14:creationId xmlns:p14="http://schemas.microsoft.com/office/powerpoint/2010/main" val="2082435392"/>
+      </p:ext>
+    </p:extLst>
+  </p:cSld>
+  <p:clrMapOvr>
+    <a:masterClrMapping/>
+  </p:clrMapOvr>
+</p:sld>
+</file>
+
+<file path=ppt/slides/slide11.xml><?xml version="1.0" encoding="utf-8"?>
+<p:sld xmlns:a="http://schemas.openxmlformats.org/drawingml/2006/main" xmlns:r="http://schemas.openxmlformats.org/officeDocument/2006/relationships" xmlns:p="http://schemas.openxmlformats.org/presentationml/2006/main">
+  <p:cSld>
+    <p:spTree>
+      <p:nvGrpSpPr>
+        <p:cNvPr id="1" name=""/>
+        <p:cNvGrpSpPr/>
+        <p:nvPr/>
+      </p:nvGrpSpPr>
+      <p:grpSpPr>
+        <a:xfrm>
+          <a:off x="0" y="0"/>
+          <a:ext cx="0" cy="0"/>
+          <a:chOff x="0" y="0"/>
+          <a:chExt cx="0" cy="0"/>
+        </a:xfrm>
+      </p:grpSpPr>
+      <p:sp>
+        <p:nvSpPr>
+          <p:cNvPr id="2" name="Title 1">
+            <a:extLst>
+              <a:ext uri="{FF2B5EF4-FFF2-40B4-BE49-F238E27FC236}">
+                <a16:creationId xmlns:a16="http://schemas.microsoft.com/office/drawing/2014/main" id="{775498C3-F296-49C1-93A3-DBB19CDD3F38}"/>
+              </a:ext>
+            </a:extLst>
+          </p:cNvPr>
+          <p:cNvSpPr>
+            <a:spLocks noGrp="1"/>
+          </p:cNvSpPr>
+          <p:nvPr>
+            <p:ph type="title"/>
+          </p:nvPr>
+        </p:nvSpPr>
+        <p:spPr>
+          <a:xfrm>
+            <a:off x="838200" y="365126"/>
+            <a:ext cx="10515600" cy="407232"/>
+          </a:xfrm>
+        </p:spPr>
+        <p:txBody>
+          <a:bodyPr>
+            <a:normAutofit fontScale="90000"/>
+          </a:bodyPr>
+          <a:lstStyle/>
+          <a:p>
+            <a:r>
+              <a:rPr lang="en-US" dirty="0"/>
+              <a:t>List Comprehension</a:t>
+            </a:r>
+            <a:endParaRPr lang="en-IN" dirty="0"/>
+          </a:p>
+        </p:txBody>
+      </p:sp>
+      <p:sp>
+        <p:nvSpPr>
+          <p:cNvPr id="3" name="Content Placeholder 2">
+            <a:extLst>
+              <a:ext uri="{FF2B5EF4-FFF2-40B4-BE49-F238E27FC236}">
+                <a16:creationId xmlns:a16="http://schemas.microsoft.com/office/drawing/2014/main" id="{E4824DAF-93C8-4EF7-A27F-7B17CC60CE08}"/>
+              </a:ext>
+            </a:extLst>
+          </p:cNvPr>
+          <p:cNvSpPr>
+            <a:spLocks noGrp="1"/>
+          </p:cNvSpPr>
+          <p:nvPr>
+            <p:ph idx="1"/>
+          </p:nvPr>
+        </p:nvSpPr>
+        <p:spPr>
+          <a:xfrm>
+            <a:off x="838200" y="1322773"/>
+            <a:ext cx="10515600" cy="497149"/>
+          </a:xfrm>
+        </p:spPr>
+        <p:txBody>
+          <a:bodyPr/>
+          <a:lstStyle/>
+          <a:p>
+            <a:r>
+              <a:rPr lang="en-US" dirty="0"/>
+              <a:t>List  comprehension provides a way to transform one list into another.</a:t>
+            </a:r>
+            <a:endParaRPr lang="en-IN" dirty="0"/>
+          </a:p>
+        </p:txBody>
+      </p:sp>
+      <p:sp>
+        <p:nvSpPr>
+          <p:cNvPr id="6" name="TextBox 5">
+            <a:extLst>
+              <a:ext uri="{FF2B5EF4-FFF2-40B4-BE49-F238E27FC236}">
+                <a16:creationId xmlns:a16="http://schemas.microsoft.com/office/drawing/2014/main" id="{09B74D84-4E6B-44D2-A27E-96A411893C60}"/>
+              </a:ext>
+            </a:extLst>
+          </p:cNvPr>
+          <p:cNvSpPr txBox="1"/>
+          <p:nvPr/>
+        </p:nvSpPr>
+        <p:spPr>
+          <a:xfrm>
+            <a:off x="983941" y="2081709"/>
+            <a:ext cx="8035771" cy="3416320"/>
+          </a:xfrm>
+          <a:prstGeom prst="rect">
+            <a:avLst/>
+          </a:prstGeom>
+          <a:noFill/>
+        </p:spPr>
+        <p:txBody>
+          <a:bodyPr wrap="square">
+            <a:spAutoFit/>
+          </a:bodyPr>
+          <a:lstStyle/>
+          <a:p>
+            <a:pPr marL="0" indent="0">
+              <a:buNone/>
+            </a:pPr>
+            <a:r>
+              <a:rPr lang="en-US" sz="2400" b="1" dirty="0"/>
+              <a:t>Syntax :</a:t>
+            </a:r>
+          </a:p>
+          <a:p>
+            <a:pPr marL="0" indent="0">
+              <a:buNone/>
+            </a:pPr>
+            <a:r>
+              <a:rPr lang="en-US" sz="2400" dirty="0"/>
+              <a:t> </a:t>
+            </a:r>
+            <a:r>
+              <a:rPr lang="en-US" sz="2400" dirty="0" err="1">
+                <a:highlight>
+                  <a:srgbClr val="FFFF00"/>
+                </a:highlight>
+              </a:rPr>
+              <a:t>outlist</a:t>
+            </a:r>
+            <a:r>
+              <a:rPr lang="en-US" sz="2400" dirty="0">
+                <a:highlight>
+                  <a:srgbClr val="FFFF00"/>
+                </a:highlight>
+              </a:rPr>
+              <a:t> =[(expression) for (n) in (</a:t>
+            </a:r>
+            <a:r>
+              <a:rPr lang="en-US" sz="2400" dirty="0" err="1">
+                <a:highlight>
+                  <a:srgbClr val="FFFF00"/>
+                </a:highlight>
+              </a:rPr>
+              <a:t>inlist</a:t>
+            </a:r>
+            <a:r>
+              <a:rPr lang="en-US" sz="2400" dirty="0">
+                <a:highlight>
+                  <a:srgbClr val="FFFF00"/>
+                </a:highlight>
+              </a:rPr>
+              <a:t>)]</a:t>
+            </a:r>
+          </a:p>
+          <a:p>
+            <a:pPr marL="0" indent="0">
+              <a:buNone/>
+            </a:pPr>
+            <a:r>
+              <a:rPr lang="en-US" sz="2400" dirty="0">
+                <a:highlight>
+                  <a:srgbClr val="FFFF00"/>
+                </a:highlight>
+              </a:rPr>
+              <a:t> print(</a:t>
+            </a:r>
+            <a:r>
+              <a:rPr lang="en-US" sz="2400" dirty="0" err="1">
+                <a:highlight>
+                  <a:srgbClr val="FFFF00"/>
+                </a:highlight>
+              </a:rPr>
+              <a:t>outlist</a:t>
+            </a:r>
+            <a:r>
+              <a:rPr lang="en-US" sz="2400" dirty="0">
+                <a:highlight>
+                  <a:srgbClr val="FFFF00"/>
+                </a:highlight>
+              </a:rPr>
+              <a:t>)</a:t>
+            </a:r>
+          </a:p>
+          <a:p>
+            <a:pPr marL="0" indent="0">
+              <a:buNone/>
+            </a:pPr>
+            <a:endParaRPr lang="en-US" sz="2400" dirty="0"/>
+          </a:p>
+          <a:p>
+            <a:pPr marL="0" indent="0">
+              <a:buNone/>
+            </a:pPr>
+            <a:r>
+              <a:rPr lang="en-US" sz="2400" dirty="0">
+                <a:solidFill>
+                  <a:srgbClr val="FF0000"/>
+                </a:solidFill>
+              </a:rPr>
+              <a:t>#Transform into:</a:t>
+            </a:r>
+          </a:p>
+          <a:p>
+            <a:pPr marL="0" indent="0">
+              <a:buNone/>
+            </a:pPr>
+            <a:endParaRPr lang="en-US" sz="2400" dirty="0"/>
+          </a:p>
+          <a:p>
+            <a:pPr marL="0" indent="0">
+              <a:buNone/>
+            </a:pPr>
+            <a:r>
+              <a:rPr lang="en-US" sz="2400" dirty="0"/>
+              <a:t> </a:t>
+            </a:r>
+            <a:r>
+              <a:rPr lang="en-US" sz="2400" dirty="0" err="1"/>
+              <a:t>outlist</a:t>
+            </a:r>
+            <a:r>
+              <a:rPr lang="en-US" sz="2400" dirty="0"/>
+              <a:t>=[]</a:t>
+            </a:r>
+          </a:p>
+          <a:p>
+            <a:pPr marL="0" indent="0">
+              <a:buNone/>
+            </a:pPr>
+            <a:r>
+              <a:rPr lang="en-US" sz="2400" dirty="0"/>
+              <a:t> for (n) in (</a:t>
+            </a:r>
+            <a:r>
+              <a:rPr lang="en-US" sz="2400" dirty="0" err="1"/>
+              <a:t>inlist</a:t>
+            </a:r>
+            <a:r>
+              <a:rPr lang="en-US" sz="2400" dirty="0"/>
+              <a:t>):</a:t>
+            </a:r>
+          </a:p>
+          <a:p>
+            <a:pPr marL="0" indent="0">
+              <a:buNone/>
+            </a:pPr>
+            <a:r>
+              <a:rPr lang="en-US" sz="2400" dirty="0"/>
+              <a:t>        </a:t>
+            </a:r>
+            <a:r>
+              <a:rPr lang="en-US" sz="2400" dirty="0" err="1"/>
+              <a:t>outlist.append</a:t>
+            </a:r>
+            <a:r>
+              <a:rPr lang="en-US" sz="2400" dirty="0"/>
+              <a:t>(expression)</a:t>
+            </a:r>
+          </a:p>
+        </p:txBody>
+      </p:sp>
+    </p:spTree>
+    <p:extLst>
+      <p:ext uri="{BB962C8B-B14F-4D97-AF65-F5344CB8AC3E}">
+        <p14:creationId xmlns:p14="http://schemas.microsoft.com/office/powerpoint/2010/main" val="363108213"/>
+      </p:ext>
+    </p:extLst>
+  </p:cSld>
+  <p:clrMapOvr>
+    <a:masterClrMapping/>
+  </p:clrMapOvr>
+</p:sld>
+</file>
+
+<file path=ppt/slides/slide12.xml><?xml version="1.0" encoding="utf-8"?>
+<p:sld xmlns:a="http://schemas.openxmlformats.org/drawingml/2006/main" xmlns:r="http://schemas.openxmlformats.org/officeDocument/2006/relationships" xmlns:p="http://schemas.openxmlformats.org/presentationml/2006/main">
+  <p:cSld>
+    <p:spTree>
+      <p:nvGrpSpPr>
+        <p:cNvPr id="1" name=""/>
+        <p:cNvGrpSpPr/>
+        <p:nvPr/>
+      </p:nvGrpSpPr>
+      <p:grpSpPr>
+        <a:xfrm>
+          <a:off x="0" y="0"/>
+          <a:ext cx="0" cy="0"/>
+          <a:chOff x="0" y="0"/>
+          <a:chExt cx="0" cy="0"/>
+        </a:xfrm>
+      </p:grpSpPr>
+      <p:sp>
+        <p:nvSpPr>
+          <p:cNvPr id="2" name="Title 1">
+            <a:extLst>
+              <a:ext uri="{FF2B5EF4-FFF2-40B4-BE49-F238E27FC236}">
+                <a16:creationId xmlns:a16="http://schemas.microsoft.com/office/drawing/2014/main" id="{8D4C5D98-E9F1-4C06-A0B8-9F0A4B1EFE8E}"/>
+              </a:ext>
+            </a:extLst>
+          </p:cNvPr>
+          <p:cNvSpPr>
+            <a:spLocks noGrp="1"/>
+          </p:cNvSpPr>
+          <p:nvPr>
+            <p:ph type="title"/>
+          </p:nvPr>
+        </p:nvSpPr>
+        <p:spPr>
+          <a:xfrm>
+            <a:off x="838200" y="365126"/>
+            <a:ext cx="10515600" cy="478254"/>
+          </a:xfrm>
+        </p:spPr>
+        <p:txBody>
+          <a:bodyPr>
+            <a:normAutofit fontScale="90000"/>
+          </a:bodyPr>
+          <a:lstStyle/>
+          <a:p>
+            <a:r>
+              <a:rPr lang="en-US" dirty="0"/>
+              <a:t>Example</a:t>
+            </a:r>
+            <a:endParaRPr lang="en-IN" dirty="0"/>
+          </a:p>
+        </p:txBody>
+      </p:sp>
+      <p:sp>
+        <p:nvSpPr>
+          <p:cNvPr id="3" name="Content Placeholder 2">
+            <a:extLst>
+              <a:ext uri="{FF2B5EF4-FFF2-40B4-BE49-F238E27FC236}">
+                <a16:creationId xmlns:a16="http://schemas.microsoft.com/office/drawing/2014/main" id="{E48049B6-217A-4367-A27A-26D6FFF58104}"/>
+              </a:ext>
+            </a:extLst>
+          </p:cNvPr>
+          <p:cNvSpPr>
+            <a:spLocks noGrp="1"/>
+          </p:cNvSpPr>
+          <p:nvPr>
+            <p:ph idx="1"/>
+          </p:nvPr>
+        </p:nvSpPr>
+        <p:spPr>
+          <a:xfrm>
+            <a:off x="838199" y="936492"/>
+            <a:ext cx="11353801" cy="5921508"/>
+          </a:xfrm>
+        </p:spPr>
+        <p:txBody>
+          <a:bodyPr>
+            <a:normAutofit/>
+          </a:bodyPr>
+          <a:lstStyle/>
+          <a:p>
+            <a:pPr marL="0" indent="0">
+              <a:buNone/>
+            </a:pPr>
+            <a:r>
+              <a:rPr lang="en-US" sz="2000" b="1" dirty="0"/>
+              <a:t>#Example:</a:t>
+            </a:r>
+          </a:p>
+          <a:p>
+            <a:pPr marL="0" indent="0">
+              <a:buNone/>
+            </a:pPr>
+            <a:r>
+              <a:rPr lang="en-US" sz="2000" dirty="0"/>
+              <a:t> squares=[x*x for x in range(10)]</a:t>
+            </a:r>
+          </a:p>
+          <a:p>
+            <a:pPr marL="0" indent="0">
+              <a:buNone/>
+            </a:pPr>
+            <a:r>
+              <a:rPr lang="en-US" sz="2000" dirty="0"/>
+              <a:t>Print(squares)</a:t>
+            </a:r>
+          </a:p>
+          <a:p>
+            <a:pPr marL="0" indent="0">
+              <a:buNone/>
+            </a:pPr>
+            <a:r>
+              <a:rPr lang="en-US" sz="2000" dirty="0">
+                <a:solidFill>
+                  <a:srgbClr val="FF0000"/>
+                </a:solidFill>
+              </a:rPr>
+              <a:t>#As a ‘for’ loop:</a:t>
+            </a:r>
+          </a:p>
+          <a:p>
+            <a:pPr marL="0" indent="0">
+              <a:buNone/>
+            </a:pPr>
+            <a:r>
+              <a:rPr lang="en-US" sz="2000" dirty="0"/>
+              <a:t> squares=[]</a:t>
+            </a:r>
+          </a:p>
+          <a:p>
+            <a:pPr marL="0" indent="0">
+              <a:buNone/>
+            </a:pPr>
+            <a:r>
+              <a:rPr lang="en-US" sz="2000" dirty="0"/>
+              <a:t> for x in range(10):</a:t>
+            </a:r>
+          </a:p>
+          <a:p>
+            <a:pPr marL="0" indent="0">
+              <a:buNone/>
+            </a:pPr>
+            <a:r>
+              <a:rPr lang="en-US" sz="2000" dirty="0"/>
+              <a:t>      </a:t>
+            </a:r>
+            <a:r>
+              <a:rPr lang="en-US" sz="2000" dirty="0" err="1"/>
+              <a:t>squares.append</a:t>
+            </a:r>
+            <a:r>
+              <a:rPr lang="en-US" sz="2000" dirty="0"/>
+              <a:t>(x*x)</a:t>
+            </a:r>
+          </a:p>
+          <a:p>
+            <a:pPr marL="0" indent="0">
+              <a:buNone/>
+            </a:pPr>
+            <a:endParaRPr lang="en-US" sz="2000" dirty="0"/>
+          </a:p>
+          <a:p>
+            <a:pPr marL="0" indent="0">
+              <a:buNone/>
+            </a:pPr>
+            <a:endParaRPr lang="en-IN" dirty="0"/>
+          </a:p>
+        </p:txBody>
+      </p:sp>
+      <p:sp>
+        <p:nvSpPr>
+          <p:cNvPr id="5" name="TextBox 4">
+            <a:extLst>
+              <a:ext uri="{FF2B5EF4-FFF2-40B4-BE49-F238E27FC236}">
+                <a16:creationId xmlns:a16="http://schemas.microsoft.com/office/drawing/2014/main" id="{E3D4E23F-C76B-4DAB-BA53-845FB4C17AC2}"/>
+              </a:ext>
+            </a:extLst>
+          </p:cNvPr>
+          <p:cNvSpPr txBox="1"/>
+          <p:nvPr/>
+        </p:nvSpPr>
+        <p:spPr>
+          <a:xfrm>
+            <a:off x="7237520" y="936491"/>
+            <a:ext cx="4596414" cy="4524315"/>
+          </a:xfrm>
+          <a:prstGeom prst="rect">
+            <a:avLst/>
+          </a:prstGeom>
+          <a:noFill/>
+        </p:spPr>
+        <p:txBody>
+          <a:bodyPr wrap="square">
+            <a:spAutoFit/>
+          </a:bodyPr>
+          <a:lstStyle/>
+          <a:p>
+            <a:r>
+              <a:rPr lang="en-IN" b="1" dirty="0"/>
+              <a:t>#Example - list Comprehension</a:t>
+            </a:r>
+          </a:p>
+          <a:p>
+            <a:r>
+              <a:rPr lang="en-IN" dirty="0"/>
+              <a:t>numbers=[1,2,3,4,5,6,7]</a:t>
+            </a:r>
+          </a:p>
+          <a:p>
+            <a:r>
+              <a:rPr lang="en-IN" dirty="0"/>
+              <a:t>even=[]</a:t>
+            </a:r>
+          </a:p>
+          <a:p>
+            <a:r>
+              <a:rPr lang="en-IN" dirty="0"/>
+              <a:t>for </a:t>
+            </a:r>
+            <a:r>
+              <a:rPr lang="en-IN" dirty="0" err="1"/>
+              <a:t>i</a:t>
+            </a:r>
+            <a:r>
+              <a:rPr lang="en-IN" dirty="0"/>
+              <a:t> in numbers:</a:t>
+            </a:r>
+          </a:p>
+          <a:p>
+            <a:r>
+              <a:rPr lang="en-IN" dirty="0"/>
+              <a:t>    if i%2 == 0:</a:t>
+            </a:r>
+          </a:p>
+          <a:p>
+            <a:r>
+              <a:rPr lang="en-IN" dirty="0"/>
+              <a:t>        </a:t>
+            </a:r>
+            <a:r>
+              <a:rPr lang="en-IN" dirty="0" err="1"/>
+              <a:t>even.append</a:t>
+            </a:r>
+            <a:r>
+              <a:rPr lang="en-IN" dirty="0"/>
+              <a:t>(</a:t>
+            </a:r>
+            <a:r>
+              <a:rPr lang="en-IN" dirty="0" err="1"/>
+              <a:t>i</a:t>
+            </a:r>
+            <a:r>
+              <a:rPr lang="en-IN" dirty="0"/>
+              <a:t>)</a:t>
+            </a:r>
+          </a:p>
+          <a:p>
+            <a:r>
+              <a:rPr lang="en-IN" dirty="0"/>
+              <a:t>print(even)</a:t>
+            </a:r>
+          </a:p>
+          <a:p>
+            <a:endParaRPr lang="en-IN" dirty="0"/>
+          </a:p>
+          <a:p>
+            <a:r>
+              <a:rPr lang="en-IN" dirty="0">
+                <a:solidFill>
+                  <a:srgbClr val="FF0000"/>
+                </a:solidFill>
+              </a:rPr>
+              <a:t>#or using list comprehension</a:t>
+            </a:r>
+          </a:p>
+          <a:p>
+            <a:endParaRPr lang="en-IN" dirty="0">
+              <a:solidFill>
+                <a:srgbClr val="FF0000"/>
+              </a:solidFill>
+            </a:endParaRPr>
+          </a:p>
+          <a:p>
+            <a:r>
+              <a:rPr lang="en-IN" dirty="0"/>
+              <a:t>even=[</a:t>
+            </a:r>
+            <a:r>
+              <a:rPr lang="en-IN" dirty="0" err="1"/>
+              <a:t>i</a:t>
+            </a:r>
+            <a:r>
+              <a:rPr lang="en-IN" dirty="0"/>
+              <a:t> for </a:t>
+            </a:r>
+            <a:r>
+              <a:rPr lang="en-IN" dirty="0" err="1"/>
+              <a:t>i</a:t>
+            </a:r>
+            <a:r>
+              <a:rPr lang="en-IN" dirty="0"/>
+              <a:t> in numbers if i%2 == 0]</a:t>
+            </a:r>
+          </a:p>
+          <a:p>
+            <a:r>
+              <a:rPr lang="en-IN" dirty="0"/>
+              <a:t>print(even)</a:t>
+            </a:r>
+          </a:p>
+          <a:p>
+            <a:endParaRPr lang="en-IN" dirty="0"/>
+          </a:p>
+          <a:p>
+            <a:r>
+              <a:rPr lang="en-IN" dirty="0">
+                <a:solidFill>
+                  <a:srgbClr val="FF0000"/>
+                </a:solidFill>
+              </a:rPr>
+              <a:t>#to display square of </a:t>
+            </a:r>
+            <a:r>
+              <a:rPr lang="en-IN" dirty="0" err="1">
+                <a:solidFill>
+                  <a:srgbClr val="FF0000"/>
+                </a:solidFill>
+              </a:rPr>
+              <a:t>nos</a:t>
+            </a:r>
+            <a:endParaRPr lang="en-IN" dirty="0">
+              <a:solidFill>
+                <a:srgbClr val="FF0000"/>
+              </a:solidFill>
+            </a:endParaRPr>
+          </a:p>
+          <a:p>
+            <a:r>
+              <a:rPr lang="en-IN" dirty="0" err="1"/>
+              <a:t>sqr_num</a:t>
+            </a:r>
+            <a:r>
+              <a:rPr lang="en-IN" dirty="0"/>
+              <a:t>=[</a:t>
+            </a:r>
+            <a:r>
+              <a:rPr lang="en-IN" dirty="0" err="1"/>
+              <a:t>i</a:t>
+            </a:r>
+            <a:r>
+              <a:rPr lang="en-IN" dirty="0"/>
+              <a:t>*</a:t>
+            </a:r>
+            <a:r>
+              <a:rPr lang="en-IN" dirty="0" err="1"/>
+              <a:t>i</a:t>
+            </a:r>
+            <a:r>
+              <a:rPr lang="en-IN" dirty="0"/>
+              <a:t> for </a:t>
+            </a:r>
+            <a:r>
+              <a:rPr lang="en-IN" dirty="0" err="1"/>
+              <a:t>i</a:t>
+            </a:r>
+            <a:r>
+              <a:rPr lang="en-IN" dirty="0"/>
+              <a:t> in numbers]</a:t>
+            </a:r>
+          </a:p>
+          <a:p>
+            <a:r>
+              <a:rPr lang="en-IN" dirty="0"/>
+              <a:t>print(</a:t>
+            </a:r>
+            <a:r>
+              <a:rPr lang="en-IN" dirty="0" err="1"/>
+              <a:t>sqr_num</a:t>
+            </a:r>
+            <a:r>
+              <a:rPr lang="en-IN" dirty="0"/>
+              <a:t>)</a:t>
+            </a:r>
+          </a:p>
+        </p:txBody>
+      </p:sp>
+      <p:cxnSp>
+        <p:nvCxnSpPr>
+          <p:cNvPr id="7" name="Straight Connector 6">
+            <a:extLst>
+              <a:ext uri="{FF2B5EF4-FFF2-40B4-BE49-F238E27FC236}">
+                <a16:creationId xmlns:a16="http://schemas.microsoft.com/office/drawing/2014/main" id="{540CD6DE-0D6D-49F6-A9A9-A0C826566F1A}"/>
+              </a:ext>
+            </a:extLst>
+          </p:cNvPr>
+          <p:cNvCxnSpPr>
+            <a:stCxn id="2" idx="0"/>
+          </p:cNvCxnSpPr>
+          <p:nvPr/>
+        </p:nvCxnSpPr>
+        <p:spPr>
+          <a:xfrm>
+            <a:off x="6096000" y="365126"/>
+            <a:ext cx="0" cy="6426291"/>
+          </a:xfrm>
+          <a:prstGeom prst="line">
+            <a:avLst/>
+          </a:prstGeom>
+        </p:spPr>
+        <p:style>
+          <a:lnRef idx="1">
+            <a:schemeClr val="dk1"/>
+          </a:lnRef>
+          <a:fillRef idx="0">
+            <a:schemeClr val="dk1"/>
+          </a:fillRef>
+          <a:effectRef idx="0">
+            <a:schemeClr val="dk1"/>
+          </a:effectRef>
+          <a:fontRef idx="minor">
+            <a:schemeClr val="tx1"/>
+          </a:fontRef>
+        </p:style>
+      </p:cxnSp>
+    </p:spTree>
+    <p:extLst>
+      <p:ext uri="{BB962C8B-B14F-4D97-AF65-F5344CB8AC3E}">
+        <p14:creationId xmlns:p14="http://schemas.microsoft.com/office/powerpoint/2010/main" val="43564517"/>
+      </p:ext>
+    </p:extLst>
+  </p:cSld>
+  <p:clrMapOvr>
+    <a:masterClrMapping/>
+  </p:clrMapOvr>
+</p:sld>
+</file>
+
+<file path=ppt/slides/slide13.xml><?xml version="1.0" encoding="utf-8"?>
+<p:sld xmlns:a="http://schemas.openxmlformats.org/drawingml/2006/main" xmlns:r="http://schemas.openxmlformats.org/officeDocument/2006/relationships" xmlns:p="http://schemas.openxmlformats.org/presentationml/2006/main">
+  <p:cSld>
+    <p:spTree>
+      <p:nvGrpSpPr>
+        <p:cNvPr id="1" name=""/>
+        <p:cNvGrpSpPr/>
+        <p:nvPr/>
+      </p:nvGrpSpPr>
+      <p:grpSpPr>
+        <a:xfrm>
+          <a:off x="0" y="0"/>
+          <a:ext cx="0" cy="0"/>
+          <a:chOff x="0" y="0"/>
+          <a:chExt cx="0" cy="0"/>
+        </a:xfrm>
+      </p:grpSpPr>
+      <p:sp>
+        <p:nvSpPr>
+          <p:cNvPr id="2" name="Title 1">
+            <a:extLst>
+              <a:ext uri="{FF2B5EF4-FFF2-40B4-BE49-F238E27FC236}">
+                <a16:creationId xmlns:a16="http://schemas.microsoft.com/office/drawing/2014/main" id="{3D1BEC1E-88F7-4BAE-8D03-98BFDAC74D9C}"/>
+              </a:ext>
+            </a:extLst>
+          </p:cNvPr>
+          <p:cNvSpPr>
+            <a:spLocks noGrp="1"/>
+          </p:cNvSpPr>
+          <p:nvPr>
+            <p:ph type="title"/>
+          </p:nvPr>
+        </p:nvSpPr>
+        <p:spPr>
+          <a:xfrm>
+            <a:off x="838200" y="365125"/>
+            <a:ext cx="10515600" cy="487131"/>
+          </a:xfrm>
+        </p:spPr>
+        <p:txBody>
+          <a:bodyPr>
+            <a:normAutofit fontScale="90000"/>
+          </a:bodyPr>
+          <a:lstStyle/>
+          <a:p>
+            <a:r>
+              <a:rPr lang="en-US" dirty="0"/>
+              <a:t>Example</a:t>
+            </a:r>
+            <a:endParaRPr lang="en-IN" dirty="0"/>
+          </a:p>
+        </p:txBody>
+      </p:sp>
+      <p:sp>
+        <p:nvSpPr>
+          <p:cNvPr id="3" name="Content Placeholder 2">
+            <a:extLst>
+              <a:ext uri="{FF2B5EF4-FFF2-40B4-BE49-F238E27FC236}">
+                <a16:creationId xmlns:a16="http://schemas.microsoft.com/office/drawing/2014/main" id="{2728A880-3557-4F67-B7A4-B908D8A8D80F}"/>
+              </a:ext>
+            </a:extLst>
+          </p:cNvPr>
+          <p:cNvSpPr>
+            <a:spLocks noGrp="1"/>
+          </p:cNvSpPr>
+          <p:nvPr>
+            <p:ph idx="1"/>
+          </p:nvPr>
+        </p:nvSpPr>
+        <p:spPr>
+          <a:xfrm>
+            <a:off x="838200" y="1376039"/>
+            <a:ext cx="10515600" cy="4800924"/>
+          </a:xfrm>
+        </p:spPr>
+        <p:txBody>
+          <a:bodyPr>
+            <a:normAutofit/>
+          </a:bodyPr>
+          <a:lstStyle/>
+          <a:p>
+            <a:r>
+              <a:rPr lang="en-US" sz="2400" dirty="0"/>
+              <a:t>List Comprehensions with Filtering</a:t>
+            </a:r>
+          </a:p>
+          <a:p>
+            <a:pPr marL="457200" lvl="1" indent="0">
+              <a:buNone/>
+            </a:pPr>
+            <a:r>
+              <a:rPr lang="en-US" sz="2000" dirty="0"/>
+              <a:t> </a:t>
+            </a:r>
+            <a:r>
+              <a:rPr lang="en-US" sz="2000" dirty="0" err="1"/>
+              <a:t>even_squares</a:t>
+            </a:r>
+            <a:r>
+              <a:rPr lang="en-US" sz="2000" dirty="0"/>
+              <a:t>= [ x*x for x in range(10) if x%2==0]</a:t>
+            </a:r>
+          </a:p>
+          <a:p>
+            <a:pPr marL="457200" lvl="1" indent="0">
+              <a:buNone/>
+            </a:pPr>
+            <a:r>
+              <a:rPr lang="en-US" sz="2000" dirty="0"/>
+              <a:t> print(</a:t>
+            </a:r>
+            <a:r>
+              <a:rPr lang="en-US" sz="2000" dirty="0" err="1"/>
+              <a:t>even_squares</a:t>
+            </a:r>
+            <a:r>
+              <a:rPr lang="en-US" sz="2000" dirty="0"/>
+              <a:t>)</a:t>
+            </a:r>
+          </a:p>
+          <a:p>
+            <a:pPr marL="457200" lvl="1" indent="0">
+              <a:buNone/>
+            </a:pPr>
+            <a:endParaRPr lang="en-US" sz="2000" dirty="0"/>
+          </a:p>
+          <a:p>
+            <a:pPr marL="457200" lvl="1" indent="0">
+              <a:buNone/>
+            </a:pPr>
+            <a:r>
+              <a:rPr lang="en-US" sz="2000" dirty="0" err="1"/>
+              <a:t>even_squares</a:t>
+            </a:r>
+            <a:r>
+              <a:rPr lang="en-US" sz="2000" dirty="0"/>
+              <a:t>= [ </a:t>
+            </a:r>
+            <a:r>
+              <a:rPr lang="en-US" sz="2000" dirty="0" err="1"/>
+              <a:t>some_long_function</a:t>
+            </a:r>
+            <a:r>
+              <a:rPr lang="en-US" sz="2000" dirty="0"/>
+              <a:t>(x*x) for x in range(10) if x%2==0]</a:t>
+            </a:r>
+          </a:p>
+          <a:p>
+            <a:pPr marL="457200" lvl="1" indent="0">
+              <a:buNone/>
+            </a:pPr>
+            <a:endParaRPr lang="en-US" sz="2000" dirty="0"/>
+          </a:p>
+          <a:p>
+            <a:pPr marL="0" indent="0">
+              <a:buNone/>
+            </a:pPr>
+            <a:r>
+              <a:rPr lang="en-US" sz="2400" b="1" u="sng" dirty="0"/>
+              <a:t>#Syntax:</a:t>
+            </a:r>
+          </a:p>
+          <a:p>
+            <a:pPr marL="0" indent="0">
+              <a:buNone/>
+            </a:pPr>
+            <a:r>
+              <a:rPr lang="en-US" sz="2400" dirty="0"/>
+              <a:t> </a:t>
+            </a:r>
+            <a:r>
+              <a:rPr lang="en-US" sz="2400" dirty="0">
+                <a:highlight>
+                  <a:srgbClr val="FFFF00"/>
+                </a:highlight>
+              </a:rPr>
+              <a:t>values=[expression for value in collection if condition]</a:t>
+            </a:r>
+          </a:p>
+          <a:p>
+            <a:pPr marL="0" indent="0">
+              <a:buNone/>
+            </a:pPr>
+            <a:endParaRPr lang="en-US" dirty="0"/>
+          </a:p>
+          <a:p>
+            <a:pPr marL="0" indent="0">
+              <a:buNone/>
+            </a:pPr>
+            <a:endParaRPr lang="en-US" dirty="0"/>
+          </a:p>
+          <a:p>
+            <a:endParaRPr lang="en-IN" dirty="0"/>
+          </a:p>
+        </p:txBody>
+      </p:sp>
+    </p:spTree>
+    <p:extLst>
+      <p:ext uri="{BB962C8B-B14F-4D97-AF65-F5344CB8AC3E}">
+        <p14:creationId xmlns:p14="http://schemas.microsoft.com/office/powerpoint/2010/main" val="2896654547"/>
       </p:ext>
     </p:extLst>
   </p:cSld>
@@ -3610,7 +4820,7 @@
         </p:nvSpPr>
         <p:spPr>
           <a:xfrm>
-            <a:off x="2731363" y="1882899"/>
+            <a:off x="2731363" y="1921091"/>
             <a:ext cx="3364637" cy="1740023"/>
           </a:xfrm>
           <a:prstGeom prst="cloudCallout">
@@ -3684,7 +4894,7 @@
         </p:nvSpPr>
         <p:spPr>
           <a:xfrm>
-            <a:off x="6294268" y="4181383"/>
+            <a:off x="6303300" y="3772916"/>
             <a:ext cx="3107184" cy="506027"/>
           </a:xfrm>
           <a:prstGeom prst="roundRect">
@@ -3715,6 +4925,340 @@
               <a:t>l1-=[1,’a’,True]</a:t>
             </a:r>
             <a:endParaRPr lang="en-IN" dirty="0"/>
+          </a:p>
+        </p:txBody>
+      </p:sp>
+      <p:sp>
+        <p:nvSpPr>
+          <p:cNvPr id="3" name="Rectangle 2">
+            <a:extLst>
+              <a:ext uri="{FF2B5EF4-FFF2-40B4-BE49-F238E27FC236}">
+                <a16:creationId xmlns:a16="http://schemas.microsoft.com/office/drawing/2014/main" id="{D01B2D93-B58F-4AE9-83C0-87DB5224B076}"/>
+              </a:ext>
+            </a:extLst>
+          </p:cNvPr>
+          <p:cNvSpPr/>
+          <p:nvPr/>
+        </p:nvSpPr>
+        <p:spPr>
+          <a:xfrm>
+            <a:off x="10289219" y="3320249"/>
+            <a:ext cx="1242874" cy="340865"/>
+          </a:xfrm>
+          <a:prstGeom prst="rect">
+            <a:avLst/>
+          </a:prstGeom>
+        </p:spPr>
+        <p:style>
+          <a:lnRef idx="2">
+            <a:schemeClr val="dk1"/>
+          </a:lnRef>
+          <a:fillRef idx="1">
+            <a:schemeClr val="lt1"/>
+          </a:fillRef>
+          <a:effectRef idx="0">
+            <a:schemeClr val="dk1"/>
+          </a:effectRef>
+          <a:fontRef idx="minor">
+            <a:schemeClr val="dk1"/>
+          </a:fontRef>
+        </p:style>
+        <p:txBody>
+          <a:bodyPr rtlCol="0" anchor="ctr"/>
+          <a:lstStyle/>
+          <a:p>
+            <a:pPr algn="ctr"/>
+            <a:r>
+              <a:rPr lang="en-US" dirty="0"/>
+              <a:t>1</a:t>
+            </a:r>
+            <a:endParaRPr lang="en-IN" dirty="0"/>
+          </a:p>
+        </p:txBody>
+      </p:sp>
+      <p:sp>
+        <p:nvSpPr>
+          <p:cNvPr id="9" name="Rectangle 8">
+            <a:extLst>
+              <a:ext uri="{FF2B5EF4-FFF2-40B4-BE49-F238E27FC236}">
+                <a16:creationId xmlns:a16="http://schemas.microsoft.com/office/drawing/2014/main" id="{7F75B3F2-22C9-43AD-9224-D9A3BD8A6F6C}"/>
+              </a:ext>
+            </a:extLst>
+          </p:cNvPr>
+          <p:cNvSpPr/>
+          <p:nvPr/>
+        </p:nvSpPr>
+        <p:spPr>
+          <a:xfrm>
+            <a:off x="10289219" y="3602484"/>
+            <a:ext cx="1242874" cy="340865"/>
+          </a:xfrm>
+          <a:prstGeom prst="rect">
+            <a:avLst/>
+          </a:prstGeom>
+        </p:spPr>
+        <p:style>
+          <a:lnRef idx="2">
+            <a:schemeClr val="dk1"/>
+          </a:lnRef>
+          <a:fillRef idx="1">
+            <a:schemeClr val="lt1"/>
+          </a:fillRef>
+          <a:effectRef idx="0">
+            <a:schemeClr val="dk1"/>
+          </a:effectRef>
+          <a:fontRef idx="minor">
+            <a:schemeClr val="dk1"/>
+          </a:fontRef>
+        </p:style>
+        <p:txBody>
+          <a:bodyPr rtlCol="0" anchor="ctr"/>
+          <a:lstStyle/>
+          <a:p>
+            <a:pPr algn="ctr"/>
+            <a:r>
+              <a:rPr lang="en-US" dirty="0"/>
+              <a:t>‘a’</a:t>
+            </a:r>
+            <a:endParaRPr lang="en-IN" dirty="0"/>
+          </a:p>
+        </p:txBody>
+      </p:sp>
+      <p:sp>
+        <p:nvSpPr>
+          <p:cNvPr id="10" name="Rectangle 9">
+            <a:extLst>
+              <a:ext uri="{FF2B5EF4-FFF2-40B4-BE49-F238E27FC236}">
+                <a16:creationId xmlns:a16="http://schemas.microsoft.com/office/drawing/2014/main" id="{10901281-15B4-4841-B25C-2F9BB34F5305}"/>
+              </a:ext>
+            </a:extLst>
+          </p:cNvPr>
+          <p:cNvSpPr/>
+          <p:nvPr/>
+        </p:nvSpPr>
+        <p:spPr>
+          <a:xfrm>
+            <a:off x="10289219" y="3946863"/>
+            <a:ext cx="1242874" cy="340865"/>
+          </a:xfrm>
+          <a:prstGeom prst="rect">
+            <a:avLst/>
+          </a:prstGeom>
+        </p:spPr>
+        <p:style>
+          <a:lnRef idx="2">
+            <a:schemeClr val="dk1"/>
+          </a:lnRef>
+          <a:fillRef idx="1">
+            <a:schemeClr val="lt1"/>
+          </a:fillRef>
+          <a:effectRef idx="0">
+            <a:schemeClr val="dk1"/>
+          </a:effectRef>
+          <a:fontRef idx="minor">
+            <a:schemeClr val="dk1"/>
+          </a:fontRef>
+        </p:style>
+        <p:txBody>
+          <a:bodyPr rtlCol="0" anchor="ctr"/>
+          <a:lstStyle/>
+          <a:p>
+            <a:pPr algn="ctr"/>
+            <a:r>
+              <a:rPr lang="en-US" dirty="0"/>
+              <a:t>True</a:t>
+            </a:r>
+            <a:endParaRPr lang="en-IN" dirty="0"/>
+          </a:p>
+        </p:txBody>
+      </p:sp>
+      <p:sp>
+        <p:nvSpPr>
+          <p:cNvPr id="5" name="TextBox 4">
+            <a:extLst>
+              <a:ext uri="{FF2B5EF4-FFF2-40B4-BE49-F238E27FC236}">
+                <a16:creationId xmlns:a16="http://schemas.microsoft.com/office/drawing/2014/main" id="{FA3CC9F1-1490-4E7D-968B-E518EB05B88B}"/>
+              </a:ext>
+            </a:extLst>
+          </p:cNvPr>
+          <p:cNvSpPr txBox="1"/>
+          <p:nvPr/>
+        </p:nvSpPr>
+        <p:spPr>
+          <a:xfrm>
+            <a:off x="9987533" y="3324603"/>
+            <a:ext cx="301686" cy="369332"/>
+          </a:xfrm>
+          <a:prstGeom prst="rect">
+            <a:avLst/>
+          </a:prstGeom>
+          <a:noFill/>
+        </p:spPr>
+        <p:txBody>
+          <a:bodyPr wrap="none" rtlCol="0">
+            <a:spAutoFit/>
+          </a:bodyPr>
+          <a:lstStyle/>
+          <a:p>
+            <a:r>
+              <a:rPr lang="en-US" dirty="0"/>
+              <a:t>0</a:t>
+            </a:r>
+            <a:endParaRPr lang="en-IN" dirty="0"/>
+          </a:p>
+        </p:txBody>
+      </p:sp>
+      <p:sp>
+        <p:nvSpPr>
+          <p:cNvPr id="12" name="TextBox 11">
+            <a:extLst>
+              <a:ext uri="{FF2B5EF4-FFF2-40B4-BE49-F238E27FC236}">
+                <a16:creationId xmlns:a16="http://schemas.microsoft.com/office/drawing/2014/main" id="{53E85126-A7C4-4D40-AD0B-95145591F0E9}"/>
+              </a:ext>
+            </a:extLst>
+          </p:cNvPr>
+          <p:cNvSpPr txBox="1"/>
+          <p:nvPr/>
+        </p:nvSpPr>
+        <p:spPr>
+          <a:xfrm>
+            <a:off x="9987533" y="3628193"/>
+            <a:ext cx="301686" cy="369332"/>
+          </a:xfrm>
+          <a:prstGeom prst="rect">
+            <a:avLst/>
+          </a:prstGeom>
+          <a:noFill/>
+        </p:spPr>
+        <p:txBody>
+          <a:bodyPr wrap="none" rtlCol="0">
+            <a:spAutoFit/>
+          </a:bodyPr>
+          <a:lstStyle/>
+          <a:p>
+            <a:r>
+              <a:rPr lang="en-US" dirty="0"/>
+              <a:t>1</a:t>
+            </a:r>
+            <a:endParaRPr lang="en-IN" dirty="0"/>
+          </a:p>
+        </p:txBody>
+      </p:sp>
+      <p:sp>
+        <p:nvSpPr>
+          <p:cNvPr id="13" name="TextBox 12">
+            <a:extLst>
+              <a:ext uri="{FF2B5EF4-FFF2-40B4-BE49-F238E27FC236}">
+                <a16:creationId xmlns:a16="http://schemas.microsoft.com/office/drawing/2014/main" id="{DA538994-1162-46DE-8DA4-8867E044AA42}"/>
+              </a:ext>
+            </a:extLst>
+          </p:cNvPr>
+          <p:cNvSpPr txBox="1"/>
+          <p:nvPr/>
+        </p:nvSpPr>
+        <p:spPr>
+          <a:xfrm>
+            <a:off x="9987533" y="3964704"/>
+            <a:ext cx="301686" cy="369332"/>
+          </a:xfrm>
+          <a:prstGeom prst="rect">
+            <a:avLst/>
+          </a:prstGeom>
+          <a:noFill/>
+        </p:spPr>
+        <p:txBody>
+          <a:bodyPr wrap="none" rtlCol="0">
+            <a:spAutoFit/>
+          </a:bodyPr>
+          <a:lstStyle/>
+          <a:p>
+            <a:r>
+              <a:rPr lang="en-US" dirty="0"/>
+              <a:t>2</a:t>
+            </a:r>
+            <a:endParaRPr lang="en-IN" dirty="0"/>
+          </a:p>
+        </p:txBody>
+      </p:sp>
+      <p:sp>
+        <p:nvSpPr>
+          <p:cNvPr id="14" name="TextBox 13">
+            <a:extLst>
+              <a:ext uri="{FF2B5EF4-FFF2-40B4-BE49-F238E27FC236}">
+                <a16:creationId xmlns:a16="http://schemas.microsoft.com/office/drawing/2014/main" id="{A5A6F49A-D0EF-4AE2-BA29-A25B3A13F545}"/>
+              </a:ext>
+            </a:extLst>
+          </p:cNvPr>
+          <p:cNvSpPr txBox="1"/>
+          <p:nvPr/>
+        </p:nvSpPr>
+        <p:spPr>
+          <a:xfrm>
+            <a:off x="10608970" y="2918096"/>
+            <a:ext cx="354584" cy="369332"/>
+          </a:xfrm>
+          <a:prstGeom prst="rect">
+            <a:avLst/>
+          </a:prstGeom>
+          <a:noFill/>
+        </p:spPr>
+        <p:txBody>
+          <a:bodyPr wrap="none" rtlCol="0">
+            <a:spAutoFit/>
+          </a:bodyPr>
+          <a:lstStyle/>
+          <a:p>
+            <a:r>
+              <a:rPr lang="en-US" dirty="0"/>
+              <a:t>l1</a:t>
+            </a:r>
+            <a:endParaRPr lang="en-IN" dirty="0"/>
+          </a:p>
+        </p:txBody>
+      </p:sp>
+      <p:sp>
+        <p:nvSpPr>
+          <p:cNvPr id="15" name="Arrow: Right 14">
+            <a:extLst>
+              <a:ext uri="{FF2B5EF4-FFF2-40B4-BE49-F238E27FC236}">
+                <a16:creationId xmlns:a16="http://schemas.microsoft.com/office/drawing/2014/main" id="{7C4F539C-4B7A-40EE-ACEE-05F3EAFB9B1A}"/>
+              </a:ext>
+            </a:extLst>
+          </p:cNvPr>
+          <p:cNvSpPr/>
+          <p:nvPr/>
+        </p:nvSpPr>
+        <p:spPr>
+          <a:xfrm>
+            <a:off x="9561250" y="3943349"/>
+            <a:ext cx="426283" cy="167012"/>
+          </a:xfrm>
+          <a:prstGeom prst="rightArrow">
+            <a:avLst/>
+          </a:prstGeom>
+        </p:spPr>
+        <p:style>
+          <a:lnRef idx="2">
+            <a:schemeClr val="dk1">
+              <a:shade val="50000"/>
+            </a:schemeClr>
+          </a:lnRef>
+          <a:fillRef idx="1">
+            <a:schemeClr val="dk1"/>
+          </a:fillRef>
+          <a:effectRef idx="0">
+            <a:schemeClr val="dk1"/>
+          </a:effectRef>
+          <a:fontRef idx="minor">
+            <a:schemeClr val="lt1"/>
+          </a:fontRef>
+        </p:style>
+        <p:txBody>
+          <a:bodyPr rtlCol="0" anchor="ctr"/>
+          <a:lstStyle/>
+          <a:p>
+            <a:pPr algn="ctr"/>
+            <a:endParaRPr lang="en-IN"/>
           </a:p>
         </p:txBody>
       </p:sp>
@@ -3793,7 +5337,12 @@
             <p:ph idx="1"/>
           </p:nvPr>
         </p:nvSpPr>
-        <p:spPr/>
+        <p:spPr>
+          <a:xfrm>
+            <a:off x="838200" y="1473693"/>
+            <a:ext cx="10515600" cy="4703270"/>
+          </a:xfrm>
+        </p:spPr>
         <p:txBody>
           <a:bodyPr/>
           <a:lstStyle/>
@@ -3803,7 +5352,11 @@
             </a:pPr>
             <a:r>
               <a:rPr lang="en-US" dirty="0"/>
-              <a:t> li1=[1,”World”,3.14,true]</a:t>
+              <a:t> </a:t>
+            </a:r>
+            <a:r>
+              <a:rPr lang="en-US" sz="2400" dirty="0"/>
+              <a:t>li1=[1,”World”,3.14,true]</a:t>
             </a:r>
           </a:p>
           <a:p>
@@ -3811,7 +5364,7 @@
               <a:buNone/>
             </a:pPr>
             <a:r>
-              <a:rPr lang="en-US" dirty="0"/>
+              <a:rPr lang="en-US" sz="2400" dirty="0"/>
               <a:t> print(li1)</a:t>
             </a:r>
           </a:p>
@@ -3820,7 +5373,7 @@
               <a:buNone/>
             </a:pPr>
             <a:r>
-              <a:rPr lang="en-US" dirty="0"/>
+              <a:rPr lang="en-US" sz="2400" dirty="0"/>
               <a:t> type(li1)</a:t>
             </a:r>
           </a:p>
@@ -3829,8 +5382,16 @@
               <a:buNone/>
             </a:pPr>
             <a:r>
-              <a:rPr lang="en-US" dirty="0"/>
-              <a:t> print(li1[0]) #prints first item of the list.</a:t>
+              <a:rPr lang="en-US" sz="2400" dirty="0"/>
+              <a:t> print(li1[0]) </a:t>
+            </a:r>
+            <a:r>
+              <a:rPr lang="en-US" sz="2400" dirty="0">
+                <a:solidFill>
+                  <a:srgbClr val="FF0000"/>
+                </a:solidFill>
+              </a:rPr>
+              <a:t>#prints first item of the list.</a:t>
             </a:r>
           </a:p>
           <a:p>
@@ -3838,23 +5399,47 @@
               <a:buNone/>
             </a:pPr>
             <a:r>
-              <a:rPr lang="en-US" dirty="0"/>
-              <a:t> print(li1[1 : 3]) #prints item from 1</a:t>
-            </a:r>
-            <a:r>
-              <a:rPr lang="en-US" baseline="30000" dirty="0"/>
+              <a:rPr lang="en-US" sz="2400" dirty="0"/>
+              <a:t> print(li1[1 : 3]) </a:t>
+            </a:r>
+            <a:r>
+              <a:rPr lang="en-US" sz="2400" dirty="0">
+                <a:solidFill>
+                  <a:srgbClr val="FF0000"/>
+                </a:solidFill>
+              </a:rPr>
+              <a:t>#prints item from 1</a:t>
+            </a:r>
+            <a:r>
+              <a:rPr lang="en-US" sz="2400" baseline="30000" dirty="0">
+                <a:solidFill>
+                  <a:srgbClr val="FF0000"/>
+                </a:solidFill>
+              </a:rPr>
               <a:t>st</a:t>
             </a:r>
             <a:r>
-              <a:rPr lang="en-US" dirty="0"/>
+              <a:rPr lang="en-US" sz="2400" dirty="0">
+                <a:solidFill>
+                  <a:srgbClr val="FF0000"/>
+                </a:solidFill>
+              </a:rPr>
               <a:t> to 2</a:t>
             </a:r>
             <a:r>
-              <a:rPr lang="en-US" baseline="30000" dirty="0"/>
+              <a:rPr lang="en-US" sz="2400" baseline="30000" dirty="0">
+                <a:solidFill>
+                  <a:srgbClr val="FF0000"/>
+                </a:solidFill>
+              </a:rPr>
               <a:t>nd</a:t>
             </a:r>
             <a:r>
-              <a:rPr lang="en-US" dirty="0"/>
+              <a:rPr lang="en-US" sz="2400" dirty="0">
+                <a:solidFill>
+                  <a:srgbClr val="FF0000"/>
+                </a:solidFill>
+              </a:rPr>
               <a:t> from list.</a:t>
             </a:r>
           </a:p>
@@ -3863,8 +5448,16 @@
               <a:buNone/>
             </a:pPr>
             <a:r>
-              <a:rPr lang="en-US" dirty="0"/>
-              <a:t> print(li1[-1]) #prints the last item from the list.</a:t>
+              <a:rPr lang="en-US" sz="2400" dirty="0"/>
+              <a:t> print(li1[-1]) </a:t>
+            </a:r>
+            <a:r>
+              <a:rPr lang="en-US" sz="2400" dirty="0">
+                <a:solidFill>
+                  <a:srgbClr val="FF0000"/>
+                </a:solidFill>
+              </a:rPr>
+              <a:t>#prints the last item from the list.</a:t>
             </a:r>
           </a:p>
           <a:p>
@@ -3872,21 +5465,85 @@
               <a:buNone/>
             </a:pPr>
             <a:r>
-              <a:rPr lang="en-US" dirty="0"/>
+              <a:rPr lang="en-US" sz="2400" dirty="0"/>
               <a:t> print(</a:t>
             </a:r>
             <a:r>
-              <a:rPr lang="en-US" dirty="0" err="1"/>
+              <a:rPr lang="en-US" sz="2400" dirty="0" err="1"/>
               <a:t>len</a:t>
             </a:r>
             <a:r>
-              <a:rPr lang="en-US" dirty="0"/>
-              <a:t>(li1)) #prints the length of the list.</a:t>
-            </a:r>
-            <a:endParaRPr lang="en-IN" dirty="0"/>
-          </a:p>
-        </p:txBody>
-      </p:sp>
+              <a:rPr lang="en-US" sz="2400" dirty="0"/>
+              <a:t>(li1)) </a:t>
+            </a:r>
+            <a:r>
+              <a:rPr lang="en-US" sz="2400" dirty="0">
+                <a:solidFill>
+                  <a:srgbClr val="FF0000"/>
+                </a:solidFill>
+              </a:rPr>
+              <a:t>#prints the length of the list.</a:t>
+            </a:r>
+          </a:p>
+          <a:p>
+            <a:pPr marL="0" indent="0">
+              <a:buNone/>
+            </a:pPr>
+            <a:r>
+              <a:rPr lang="en-US" sz="2400" dirty="0"/>
+              <a:t>print(li1[1 : ]) </a:t>
+            </a:r>
+            <a:r>
+              <a:rPr lang="en-US" sz="2400" dirty="0">
+                <a:solidFill>
+                  <a:srgbClr val="FF0000"/>
+                </a:solidFill>
+              </a:rPr>
+              <a:t>#prints till end of list</a:t>
+            </a:r>
+          </a:p>
+          <a:p>
+            <a:pPr marL="0" indent="0">
+              <a:buNone/>
+            </a:pPr>
+            <a:r>
+              <a:rPr lang="en-US" sz="2400" dirty="0"/>
+              <a:t> print(type(li1))</a:t>
+            </a:r>
+            <a:endParaRPr lang="en-IN" sz="2400" dirty="0"/>
+          </a:p>
+        </p:txBody>
+      </p:sp>
+      <p:pic>
+        <p:nvPicPr>
+          <p:cNvPr id="5" name="Picture 4">
+            <a:extLst>
+              <a:ext uri="{FF2B5EF4-FFF2-40B4-BE49-F238E27FC236}">
+                <a16:creationId xmlns:a16="http://schemas.microsoft.com/office/drawing/2014/main" id="{4756F6D0-BEF8-40A5-9345-D76E123BF316}"/>
+              </a:ext>
+            </a:extLst>
+          </p:cNvPr>
+          <p:cNvPicPr>
+            <a:picLocks noChangeAspect="1"/>
+          </p:cNvPicPr>
+          <p:nvPr/>
+        </p:nvPicPr>
+        <p:blipFill>
+          <a:blip r:embed="rId2"/>
+          <a:stretch>
+            <a:fillRect/>
+          </a:stretch>
+        </p:blipFill>
+        <p:spPr>
+          <a:xfrm>
+            <a:off x="838200" y="5805488"/>
+            <a:ext cx="8391525" cy="742950"/>
+          </a:xfrm>
+          <a:prstGeom prst="rect">
+            <a:avLst/>
+          </a:prstGeom>
+        </p:spPr>
+      </p:pic>
     </p:spTree>
     <p:extLst>
       <p:ext uri="{BB962C8B-B14F-4D97-AF65-F5344CB8AC3E}">
@@ -3933,9 +5590,16 @@
             <p:ph type="title"/>
           </p:nvPr>
         </p:nvSpPr>
-        <p:spPr/>
-        <p:txBody>
-          <a:bodyPr/>
+        <p:spPr>
+          <a:xfrm>
+            <a:off x="838200" y="365125"/>
+            <a:ext cx="10515600" cy="487131"/>
+          </a:xfrm>
+        </p:spPr>
+        <p:txBody>
+          <a:bodyPr>
+            <a:normAutofit fontScale="90000"/>
+          </a:bodyPr>
           <a:lstStyle/>
           <a:p>
             <a:r>
@@ -3960,8 +5624,8 @@
         </p:nvSpPr>
         <p:spPr>
           <a:xfrm>
-            <a:off x="2636668" y="1908699"/>
-            <a:ext cx="5060272" cy="1325563"/>
+            <a:off x="763480" y="1690688"/>
+            <a:ext cx="3400147" cy="1336597"/>
           </a:xfrm>
           <a:prstGeom prst="round2DiagRect">
             <a:avLst/>
@@ -3985,21 +5649,18 @@
           <a:bodyPr rtlCol="0" anchor="ctr"/>
           <a:lstStyle/>
           <a:p>
-            <a:pPr algn="ctr"/>
             <a:r>
               <a:rPr lang="en-US" dirty="0"/>
               <a:t> l1=[1,”a”,2,”b”,3,”c”]</a:t>
             </a:r>
           </a:p>
           <a:p>
-            <a:pPr algn="ctr"/>
             <a:r>
               <a:rPr lang="en-US" dirty="0"/>
               <a:t>l1[1]</a:t>
             </a:r>
           </a:p>
           <a:p>
-            <a:pPr algn="ctr"/>
             <a:r>
               <a:rPr lang="en-US" dirty="0">
                 <a:solidFill>
@@ -4030,8 +5691,8 @@
         </p:nvSpPr>
         <p:spPr>
           <a:xfrm>
-            <a:off x="2734322" y="4101483"/>
-            <a:ext cx="5060272" cy="1393795"/>
+            <a:off x="674702" y="3429001"/>
+            <a:ext cx="3488925" cy="1249532"/>
           </a:xfrm>
           <a:prstGeom prst="round2DiagRect">
             <a:avLst/>
@@ -4055,21 +5716,18 @@
           <a:bodyPr rtlCol="0" anchor="ctr"/>
           <a:lstStyle/>
           <a:p>
-            <a:pPr algn="ctr"/>
             <a:r>
               <a:rPr lang="en-US" dirty="0"/>
               <a:t>L1=[1,”a”,2,”b”,3,”c”]</a:t>
             </a:r>
           </a:p>
           <a:p>
-            <a:pPr algn="ctr"/>
             <a:r>
               <a:rPr lang="en-US" dirty="0"/>
               <a:t>L1[2:5]</a:t>
             </a:r>
           </a:p>
           <a:p>
-            <a:pPr algn="ctr"/>
             <a:r>
               <a:rPr lang="en-US" dirty="0">
                 <a:solidFill>
@@ -4086,6 +5744,1873 @@
           </a:p>
         </p:txBody>
       </p:sp>
+      <p:sp>
+        <p:nvSpPr>
+          <p:cNvPr id="3" name="Rectangle 1">
+            <a:extLst>
+              <a:ext uri="{FF2B5EF4-FFF2-40B4-BE49-F238E27FC236}">
+                <a16:creationId xmlns:a16="http://schemas.microsoft.com/office/drawing/2014/main" id="{6671FBFD-0796-41ED-8A75-C4D0770B3A19}"/>
+              </a:ext>
+            </a:extLst>
+          </p:cNvPr>
+          <p:cNvSpPr>
+            <a:spLocks noChangeArrowheads="1"/>
+          </p:cNvSpPr>
+          <p:nvPr/>
+        </p:nvSpPr>
+        <p:spPr bwMode="auto">
+          <a:xfrm>
+            <a:off x="5973044" y="1283236"/>
+            <a:ext cx="5455476" cy="4739759"/>
+          </a:xfrm>
+          <a:prstGeom prst="rect">
+            <a:avLst/>
+          </a:prstGeom>
+          <a:noFill/>
+          <a:ln>
+            <a:noFill/>
+          </a:ln>
+          <a:effectLst/>
+          <a:extLst>
+            <a:ext uri="{909E8E84-426E-40DD-AFC4-6F175D3DCCD1}">
+              <a14:hiddenFill xmlns:a14="http://schemas.microsoft.com/office/drawing/2010/main">
+                <a:solidFill>
+                  <a:schemeClr val="accent1"/>
+                </a:solidFill>
+              </a14:hiddenFill>
+            </a:ext>
+            <a:ext uri="{91240B29-F687-4F45-9708-019B960494DF}">
+              <a14:hiddenLine xmlns:a14="http://schemas.microsoft.com/office/drawing/2010/main" w="9525">
+                <a:solidFill>
+                  <a:schemeClr val="tx1"/>
+                </a:solidFill>
+                <a:miter lim="800000"/>
+                <a:headEnd/>
+                <a:tailEnd/>
+              </a14:hiddenLine>
+            </a:ext>
+            <a:ext uri="{AF507438-7753-43E0-B8FC-AC1667EBCBE1}">
+              <a14:hiddenEffects xmlns:a14="http://schemas.microsoft.com/office/drawing/2010/main">
+                <a:effectLst>
+                  <a:outerShdw dist="35921" dir="2700000" algn="ctr" rotWithShape="0">
+                    <a:schemeClr val="bg2"/>
+                  </a:outerShdw>
+                </a:effectLst>
+              </a14:hiddenEffects>
+            </a:ext>
+          </a:extLst>
+        </p:spPr>
+        <p:txBody>
+          <a:bodyPr vert="horz" wrap="square" lIns="0" tIns="0" rIns="0" bIns="0" numCol="1" anchor="ctr" anchorCtr="0" compatLnSpc="1">
+            <a:prstTxWarp prst="textNoShape">
+              <a:avLst/>
+            </a:prstTxWarp>
+            <a:spAutoFit/>
+          </a:bodyPr>
+          <a:lstStyle/>
+          <a:p>
+            <a:pPr marL="0" marR="0" lvl="0" indent="0" algn="l" defTabSz="914400" rtl="0" eaLnBrk="0" fontAlgn="base" latinLnBrk="0" hangingPunct="0">
+              <a:lnSpc>
+                <a:spcPct val="100000"/>
+              </a:lnSpc>
+              <a:spcBef>
+                <a:spcPct val="0"/>
+              </a:spcBef>
+              <a:spcAft>
+                <a:spcPct val="0"/>
+              </a:spcAft>
+              <a:buClrTx/>
+              <a:buSzTx/>
+              <a:buFontTx/>
+              <a:buNone/>
+              <a:tabLst/>
+            </a:pPr>
+            <a:r>
+              <a:rPr kumimoji="0" lang="en-US" altLang="en-US" sz="1400" b="0" i="0" u="none" strike="noStrike" cap="none" normalizeH="0" baseline="0" dirty="0">
+                <a:ln>
+                  <a:noFill/>
+                </a:ln>
+                <a:solidFill>
+                  <a:srgbClr val="888888"/>
+                </a:solidFill>
+                <a:effectLst/>
+                <a:latin typeface="Courier New" panose="02070309020205020404" pitchFamily="49" charset="0"/>
+              </a:rPr>
+              <a:t># Python's list slice syntax can be used without indices</a:t>
+            </a:r>
+            <a:r>
+              <a:rPr kumimoji="0" lang="en-US" altLang="en-US" sz="1400" b="0" i="0" u="none" strike="noStrike" cap="none" normalizeH="0" baseline="0" dirty="0">
+                <a:ln>
+                  <a:noFill/>
+                </a:ln>
+                <a:solidFill>
+                  <a:srgbClr val="222222"/>
+                </a:solidFill>
+                <a:effectLst/>
+                <a:latin typeface="Courier New" panose="02070309020205020404" pitchFamily="49" charset="0"/>
+              </a:rPr>
+              <a:t> </a:t>
+            </a:r>
+          </a:p>
+          <a:p>
+            <a:pPr marL="0" marR="0" lvl="0" indent="0" algn="l" defTabSz="914400" rtl="0" eaLnBrk="0" fontAlgn="base" latinLnBrk="0" hangingPunct="0">
+              <a:lnSpc>
+                <a:spcPct val="100000"/>
+              </a:lnSpc>
+              <a:spcBef>
+                <a:spcPct val="0"/>
+              </a:spcBef>
+              <a:spcAft>
+                <a:spcPct val="0"/>
+              </a:spcAft>
+              <a:buClrTx/>
+              <a:buSzTx/>
+              <a:buFontTx/>
+              <a:buNone/>
+              <a:tabLst/>
+            </a:pPr>
+            <a:r>
+              <a:rPr kumimoji="0" lang="en-US" altLang="en-US" sz="1400" b="0" i="0" u="none" strike="noStrike" cap="none" normalizeH="0" baseline="0" dirty="0">
+                <a:ln>
+                  <a:noFill/>
+                </a:ln>
+                <a:solidFill>
+                  <a:srgbClr val="888888"/>
+                </a:solidFill>
+                <a:effectLst/>
+                <a:latin typeface="Courier New" panose="02070309020205020404" pitchFamily="49" charset="0"/>
+              </a:rPr>
+              <a:t># for a few fun and useful things:</a:t>
+            </a:r>
+            <a:r>
+              <a:rPr kumimoji="0" lang="en-US" altLang="en-US" sz="1400" b="0" i="0" u="none" strike="noStrike" cap="none" normalizeH="0" baseline="0" dirty="0">
+                <a:ln>
+                  <a:noFill/>
+                </a:ln>
+                <a:solidFill>
+                  <a:srgbClr val="222222"/>
+                </a:solidFill>
+                <a:effectLst/>
+                <a:latin typeface="Courier New" panose="02070309020205020404" pitchFamily="49" charset="0"/>
+              </a:rPr>
+              <a:t> </a:t>
+            </a:r>
+          </a:p>
+          <a:p>
+            <a:pPr marL="0" marR="0" lvl="0" indent="0" algn="l" defTabSz="914400" rtl="0" eaLnBrk="0" fontAlgn="base" latinLnBrk="0" hangingPunct="0">
+              <a:lnSpc>
+                <a:spcPct val="100000"/>
+              </a:lnSpc>
+              <a:spcBef>
+                <a:spcPct val="0"/>
+              </a:spcBef>
+              <a:spcAft>
+                <a:spcPct val="0"/>
+              </a:spcAft>
+              <a:buClrTx/>
+              <a:buSzTx/>
+              <a:buFontTx/>
+              <a:buNone/>
+              <a:tabLst/>
+            </a:pPr>
+            <a:r>
+              <a:rPr kumimoji="0" lang="en-US" altLang="en-US" sz="1400" b="0" i="0" u="none" strike="noStrike" cap="none" normalizeH="0" baseline="0" dirty="0">
+                <a:ln>
+                  <a:noFill/>
+                </a:ln>
+                <a:solidFill>
+                  <a:srgbClr val="888888"/>
+                </a:solidFill>
+                <a:effectLst/>
+                <a:latin typeface="Courier New" panose="02070309020205020404" pitchFamily="49" charset="0"/>
+              </a:rPr>
+              <a:t># You can clear all elements from a list:</a:t>
+            </a:r>
+            <a:r>
+              <a:rPr kumimoji="0" lang="en-US" altLang="en-US" sz="1400" b="0" i="0" u="none" strike="noStrike" cap="none" normalizeH="0" baseline="0" dirty="0">
+                <a:ln>
+                  <a:noFill/>
+                </a:ln>
+                <a:solidFill>
+                  <a:srgbClr val="222222"/>
+                </a:solidFill>
+                <a:effectLst/>
+                <a:latin typeface="Courier New" panose="02070309020205020404" pitchFamily="49" charset="0"/>
+              </a:rPr>
+              <a:t> </a:t>
+            </a:r>
+          </a:p>
+          <a:p>
+            <a:pPr marL="0" marR="0" lvl="0" indent="0" algn="l" defTabSz="914400" rtl="0" eaLnBrk="0" fontAlgn="base" latinLnBrk="0" hangingPunct="0">
+              <a:lnSpc>
+                <a:spcPct val="100000"/>
+              </a:lnSpc>
+              <a:spcBef>
+                <a:spcPct val="0"/>
+              </a:spcBef>
+              <a:spcAft>
+                <a:spcPct val="0"/>
+              </a:spcAft>
+              <a:buClrTx/>
+              <a:buSzTx/>
+              <a:buFontTx/>
+              <a:buNone/>
+              <a:tabLst/>
+            </a:pPr>
+            <a:r>
+              <a:rPr kumimoji="0" lang="en-US" altLang="en-US" sz="1400" b="0" i="0" u="none" strike="noStrike" cap="none" normalizeH="0" baseline="0" dirty="0">
+                <a:ln>
+                  <a:noFill/>
+                </a:ln>
+                <a:solidFill>
+                  <a:srgbClr val="333333"/>
+                </a:solidFill>
+                <a:effectLst/>
+                <a:latin typeface="Courier New" panose="02070309020205020404" pitchFamily="49" charset="0"/>
+              </a:rPr>
+              <a:t>&gt;&gt;&gt;</a:t>
+            </a:r>
+            <a:r>
+              <a:rPr kumimoji="0" lang="en-US" altLang="en-US" sz="1400" b="0" i="0" u="none" strike="noStrike" cap="none" normalizeH="0" baseline="0" dirty="0">
+                <a:ln>
+                  <a:noFill/>
+                </a:ln>
+                <a:solidFill>
+                  <a:srgbClr val="222222"/>
+                </a:solidFill>
+                <a:effectLst/>
+                <a:latin typeface="Courier New" panose="02070309020205020404" pitchFamily="49" charset="0"/>
+              </a:rPr>
+              <a:t> </a:t>
+            </a:r>
+            <a:r>
+              <a:rPr kumimoji="0" lang="en-US" altLang="en-US" sz="1400" b="0" i="0" u="none" strike="noStrike" cap="none" normalizeH="0" baseline="0" dirty="0" err="1">
+                <a:ln>
+                  <a:noFill/>
+                </a:ln>
+                <a:solidFill>
+                  <a:srgbClr val="222222"/>
+                </a:solidFill>
+                <a:effectLst/>
+                <a:latin typeface="Courier New" panose="02070309020205020404" pitchFamily="49" charset="0"/>
+              </a:rPr>
+              <a:t>lst</a:t>
+            </a:r>
+            <a:r>
+              <a:rPr kumimoji="0" lang="en-US" altLang="en-US" sz="1400" b="0" i="0" u="none" strike="noStrike" cap="none" normalizeH="0" baseline="0" dirty="0">
+                <a:ln>
+                  <a:noFill/>
+                </a:ln>
+                <a:solidFill>
+                  <a:srgbClr val="222222"/>
+                </a:solidFill>
+                <a:effectLst/>
+                <a:latin typeface="Courier New" panose="02070309020205020404" pitchFamily="49" charset="0"/>
+              </a:rPr>
+              <a:t> </a:t>
+            </a:r>
+            <a:r>
+              <a:rPr kumimoji="0" lang="en-US" altLang="en-US" sz="1400" b="0" i="0" u="none" strike="noStrike" cap="none" normalizeH="0" baseline="0" dirty="0">
+                <a:ln>
+                  <a:noFill/>
+                </a:ln>
+                <a:solidFill>
+                  <a:srgbClr val="333333"/>
+                </a:solidFill>
+                <a:effectLst/>
+                <a:latin typeface="Courier New" panose="02070309020205020404" pitchFamily="49" charset="0"/>
+              </a:rPr>
+              <a:t>=</a:t>
+            </a:r>
+            <a:r>
+              <a:rPr kumimoji="0" lang="en-US" altLang="en-US" sz="1400" b="0" i="0" u="none" strike="noStrike" cap="none" normalizeH="0" baseline="0" dirty="0">
+                <a:ln>
+                  <a:noFill/>
+                </a:ln>
+                <a:solidFill>
+                  <a:srgbClr val="222222"/>
+                </a:solidFill>
+                <a:effectLst/>
+                <a:latin typeface="Courier New" panose="02070309020205020404" pitchFamily="49" charset="0"/>
+              </a:rPr>
+              <a:t> [</a:t>
+            </a:r>
+            <a:r>
+              <a:rPr kumimoji="0" lang="en-US" altLang="en-US" sz="1400" b="1" i="0" u="none" strike="noStrike" cap="none" normalizeH="0" baseline="0" dirty="0">
+                <a:ln>
+                  <a:noFill/>
+                </a:ln>
+                <a:solidFill>
+                  <a:srgbClr val="0000DD"/>
+                </a:solidFill>
+                <a:effectLst/>
+                <a:latin typeface="Courier New" panose="02070309020205020404" pitchFamily="49" charset="0"/>
+              </a:rPr>
+              <a:t>1</a:t>
+            </a:r>
+            <a:r>
+              <a:rPr kumimoji="0" lang="en-US" altLang="en-US" sz="1400" b="0" i="0" u="none" strike="noStrike" cap="none" normalizeH="0" baseline="0" dirty="0">
+                <a:ln>
+                  <a:noFill/>
+                </a:ln>
+                <a:solidFill>
+                  <a:srgbClr val="222222"/>
+                </a:solidFill>
+                <a:effectLst/>
+                <a:latin typeface="Courier New" panose="02070309020205020404" pitchFamily="49" charset="0"/>
+              </a:rPr>
+              <a:t>, </a:t>
+            </a:r>
+            <a:r>
+              <a:rPr kumimoji="0" lang="en-US" altLang="en-US" sz="1400" b="1" i="0" u="none" strike="noStrike" cap="none" normalizeH="0" baseline="0" dirty="0">
+                <a:ln>
+                  <a:noFill/>
+                </a:ln>
+                <a:solidFill>
+                  <a:srgbClr val="0000DD"/>
+                </a:solidFill>
+                <a:effectLst/>
+                <a:latin typeface="Courier New" panose="02070309020205020404" pitchFamily="49" charset="0"/>
+              </a:rPr>
+              <a:t>2</a:t>
+            </a:r>
+            <a:r>
+              <a:rPr kumimoji="0" lang="en-US" altLang="en-US" sz="1400" b="0" i="0" u="none" strike="noStrike" cap="none" normalizeH="0" baseline="0" dirty="0">
+                <a:ln>
+                  <a:noFill/>
+                </a:ln>
+                <a:solidFill>
+                  <a:srgbClr val="222222"/>
+                </a:solidFill>
+                <a:effectLst/>
+                <a:latin typeface="Courier New" panose="02070309020205020404" pitchFamily="49" charset="0"/>
+              </a:rPr>
+              <a:t>, </a:t>
+            </a:r>
+            <a:r>
+              <a:rPr kumimoji="0" lang="en-US" altLang="en-US" sz="1400" b="1" i="0" u="none" strike="noStrike" cap="none" normalizeH="0" baseline="0" dirty="0">
+                <a:ln>
+                  <a:noFill/>
+                </a:ln>
+                <a:solidFill>
+                  <a:srgbClr val="0000DD"/>
+                </a:solidFill>
+                <a:effectLst/>
+                <a:latin typeface="Courier New" panose="02070309020205020404" pitchFamily="49" charset="0"/>
+              </a:rPr>
+              <a:t>3</a:t>
+            </a:r>
+            <a:r>
+              <a:rPr kumimoji="0" lang="en-US" altLang="en-US" sz="1400" b="0" i="0" u="none" strike="noStrike" cap="none" normalizeH="0" baseline="0" dirty="0">
+                <a:ln>
+                  <a:noFill/>
+                </a:ln>
+                <a:solidFill>
+                  <a:srgbClr val="222222"/>
+                </a:solidFill>
+                <a:effectLst/>
+                <a:latin typeface="Courier New" panose="02070309020205020404" pitchFamily="49" charset="0"/>
+              </a:rPr>
+              <a:t>, </a:t>
+            </a:r>
+            <a:r>
+              <a:rPr kumimoji="0" lang="en-US" altLang="en-US" sz="1400" b="1" i="0" u="none" strike="noStrike" cap="none" normalizeH="0" baseline="0" dirty="0">
+                <a:ln>
+                  <a:noFill/>
+                </a:ln>
+                <a:solidFill>
+                  <a:srgbClr val="0000DD"/>
+                </a:solidFill>
+                <a:effectLst/>
+                <a:latin typeface="Courier New" panose="02070309020205020404" pitchFamily="49" charset="0"/>
+              </a:rPr>
+              <a:t>4</a:t>
+            </a:r>
+            <a:r>
+              <a:rPr kumimoji="0" lang="en-US" altLang="en-US" sz="1400" b="0" i="0" u="none" strike="noStrike" cap="none" normalizeH="0" baseline="0" dirty="0">
+                <a:ln>
+                  <a:noFill/>
+                </a:ln>
+                <a:solidFill>
+                  <a:srgbClr val="222222"/>
+                </a:solidFill>
+                <a:effectLst/>
+                <a:latin typeface="Courier New" panose="02070309020205020404" pitchFamily="49" charset="0"/>
+              </a:rPr>
+              <a:t>, </a:t>
+            </a:r>
+            <a:r>
+              <a:rPr kumimoji="0" lang="en-US" altLang="en-US" sz="1400" b="1" i="0" u="none" strike="noStrike" cap="none" normalizeH="0" baseline="0" dirty="0">
+                <a:ln>
+                  <a:noFill/>
+                </a:ln>
+                <a:solidFill>
+                  <a:srgbClr val="0000DD"/>
+                </a:solidFill>
+                <a:effectLst/>
+                <a:latin typeface="Courier New" panose="02070309020205020404" pitchFamily="49" charset="0"/>
+              </a:rPr>
+              <a:t>5</a:t>
+            </a:r>
+            <a:r>
+              <a:rPr kumimoji="0" lang="en-US" altLang="en-US" sz="1400" b="0" i="0" u="none" strike="noStrike" cap="none" normalizeH="0" baseline="0" dirty="0">
+                <a:ln>
+                  <a:noFill/>
+                </a:ln>
+                <a:solidFill>
+                  <a:srgbClr val="222222"/>
+                </a:solidFill>
+                <a:effectLst/>
+                <a:latin typeface="Courier New" panose="02070309020205020404" pitchFamily="49" charset="0"/>
+              </a:rPr>
+              <a:t>] </a:t>
+            </a:r>
+          </a:p>
+          <a:p>
+            <a:pPr marL="0" marR="0" lvl="0" indent="0" algn="l" defTabSz="914400" rtl="0" eaLnBrk="0" fontAlgn="base" latinLnBrk="0" hangingPunct="0">
+              <a:lnSpc>
+                <a:spcPct val="100000"/>
+              </a:lnSpc>
+              <a:spcBef>
+                <a:spcPct val="0"/>
+              </a:spcBef>
+              <a:spcAft>
+                <a:spcPct val="0"/>
+              </a:spcAft>
+              <a:buClrTx/>
+              <a:buSzTx/>
+              <a:buFontTx/>
+              <a:buNone/>
+              <a:tabLst/>
+            </a:pPr>
+            <a:r>
+              <a:rPr kumimoji="0" lang="en-US" altLang="en-US" sz="1400" b="0" i="0" u="none" strike="noStrike" cap="none" normalizeH="0" baseline="0" dirty="0">
+                <a:ln>
+                  <a:noFill/>
+                </a:ln>
+                <a:solidFill>
+                  <a:srgbClr val="333333"/>
+                </a:solidFill>
+                <a:effectLst/>
+                <a:latin typeface="Courier New" panose="02070309020205020404" pitchFamily="49" charset="0"/>
+              </a:rPr>
+              <a:t>&gt;&gt;&gt;</a:t>
+            </a:r>
+            <a:r>
+              <a:rPr kumimoji="0" lang="en-US" altLang="en-US" sz="1400" b="0" i="0" u="none" strike="noStrike" cap="none" normalizeH="0" baseline="0" dirty="0">
+                <a:ln>
+                  <a:noFill/>
+                </a:ln>
+                <a:solidFill>
+                  <a:srgbClr val="222222"/>
+                </a:solidFill>
+                <a:effectLst/>
+                <a:latin typeface="Courier New" panose="02070309020205020404" pitchFamily="49" charset="0"/>
+              </a:rPr>
+              <a:t> </a:t>
+            </a:r>
+            <a:r>
+              <a:rPr kumimoji="0" lang="en-US" altLang="en-US" sz="1400" b="1" i="0" u="none" strike="noStrike" cap="none" normalizeH="0" baseline="0" dirty="0">
+                <a:ln>
+                  <a:noFill/>
+                </a:ln>
+                <a:solidFill>
+                  <a:srgbClr val="008800"/>
+                </a:solidFill>
+                <a:effectLst/>
+                <a:latin typeface="Courier New" panose="02070309020205020404" pitchFamily="49" charset="0"/>
+              </a:rPr>
+              <a:t>del</a:t>
+            </a:r>
+            <a:r>
+              <a:rPr kumimoji="0" lang="en-US" altLang="en-US" sz="1400" b="0" i="0" u="none" strike="noStrike" cap="none" normalizeH="0" baseline="0" dirty="0">
+                <a:ln>
+                  <a:noFill/>
+                </a:ln>
+                <a:solidFill>
+                  <a:srgbClr val="222222"/>
+                </a:solidFill>
+                <a:effectLst/>
+                <a:latin typeface="Courier New" panose="02070309020205020404" pitchFamily="49" charset="0"/>
+              </a:rPr>
+              <a:t> </a:t>
+            </a:r>
+            <a:r>
+              <a:rPr kumimoji="0" lang="en-US" altLang="en-US" sz="1400" b="0" i="0" u="none" strike="noStrike" cap="none" normalizeH="0" baseline="0" dirty="0" err="1">
+                <a:ln>
+                  <a:noFill/>
+                </a:ln>
+                <a:solidFill>
+                  <a:srgbClr val="222222"/>
+                </a:solidFill>
+                <a:effectLst/>
+                <a:latin typeface="Courier New" panose="02070309020205020404" pitchFamily="49" charset="0"/>
+              </a:rPr>
+              <a:t>lst</a:t>
+            </a:r>
+            <a:r>
+              <a:rPr kumimoji="0" lang="en-US" altLang="en-US" sz="1400" b="0" i="0" u="none" strike="noStrike" cap="none" normalizeH="0" baseline="0" dirty="0">
+                <a:ln>
+                  <a:noFill/>
+                </a:ln>
+                <a:solidFill>
+                  <a:srgbClr val="222222"/>
+                </a:solidFill>
+                <a:effectLst/>
+                <a:latin typeface="Courier New" panose="02070309020205020404" pitchFamily="49" charset="0"/>
+              </a:rPr>
+              <a:t>[:] </a:t>
+            </a:r>
+          </a:p>
+          <a:p>
+            <a:pPr marL="0" marR="0" lvl="0" indent="0" algn="l" defTabSz="914400" rtl="0" eaLnBrk="0" fontAlgn="base" latinLnBrk="0" hangingPunct="0">
+              <a:lnSpc>
+                <a:spcPct val="100000"/>
+              </a:lnSpc>
+              <a:spcBef>
+                <a:spcPct val="0"/>
+              </a:spcBef>
+              <a:spcAft>
+                <a:spcPct val="0"/>
+              </a:spcAft>
+              <a:buClrTx/>
+              <a:buSzTx/>
+              <a:buFontTx/>
+              <a:buNone/>
+              <a:tabLst/>
+            </a:pPr>
+            <a:r>
+              <a:rPr kumimoji="0" lang="en-US" altLang="en-US" sz="1400" b="0" i="0" u="none" strike="noStrike" cap="none" normalizeH="0" baseline="0" dirty="0">
+                <a:ln>
+                  <a:noFill/>
+                </a:ln>
+                <a:solidFill>
+                  <a:srgbClr val="333333"/>
+                </a:solidFill>
+                <a:effectLst/>
+                <a:latin typeface="Courier New" panose="02070309020205020404" pitchFamily="49" charset="0"/>
+              </a:rPr>
+              <a:t>&gt;&gt;&gt;</a:t>
+            </a:r>
+            <a:r>
+              <a:rPr kumimoji="0" lang="en-US" altLang="en-US" sz="1400" b="0" i="0" u="none" strike="noStrike" cap="none" normalizeH="0" baseline="0" dirty="0">
+                <a:ln>
+                  <a:noFill/>
+                </a:ln>
+                <a:solidFill>
+                  <a:srgbClr val="222222"/>
+                </a:solidFill>
+                <a:effectLst/>
+                <a:latin typeface="Courier New" panose="02070309020205020404" pitchFamily="49" charset="0"/>
+              </a:rPr>
+              <a:t> </a:t>
+            </a:r>
+            <a:r>
+              <a:rPr kumimoji="0" lang="en-US" altLang="en-US" sz="1400" b="0" i="0" u="none" strike="noStrike" cap="none" normalizeH="0" baseline="0" dirty="0" err="1">
+                <a:ln>
+                  <a:noFill/>
+                </a:ln>
+                <a:solidFill>
+                  <a:srgbClr val="222222"/>
+                </a:solidFill>
+                <a:effectLst/>
+                <a:latin typeface="Courier New" panose="02070309020205020404" pitchFamily="49" charset="0"/>
+              </a:rPr>
+              <a:t>lst</a:t>
+            </a:r>
+            <a:r>
+              <a:rPr kumimoji="0" lang="en-US" altLang="en-US" sz="1400" b="0" i="0" u="none" strike="noStrike" cap="none" normalizeH="0" baseline="0" dirty="0">
+                <a:ln>
+                  <a:noFill/>
+                </a:ln>
+                <a:solidFill>
+                  <a:srgbClr val="222222"/>
+                </a:solidFill>
+                <a:effectLst/>
+                <a:latin typeface="Courier New" panose="02070309020205020404" pitchFamily="49" charset="0"/>
+              </a:rPr>
+              <a:t> </a:t>
+            </a:r>
+          </a:p>
+          <a:p>
+            <a:pPr marL="0" marR="0" lvl="0" indent="0" algn="l" defTabSz="914400" rtl="0" eaLnBrk="0" fontAlgn="base" latinLnBrk="0" hangingPunct="0">
+              <a:lnSpc>
+                <a:spcPct val="100000"/>
+              </a:lnSpc>
+              <a:spcBef>
+                <a:spcPct val="0"/>
+              </a:spcBef>
+              <a:spcAft>
+                <a:spcPct val="0"/>
+              </a:spcAft>
+              <a:buClrTx/>
+              <a:buSzTx/>
+              <a:buFontTx/>
+              <a:buNone/>
+              <a:tabLst/>
+            </a:pPr>
+            <a:r>
+              <a:rPr kumimoji="0" lang="en-US" altLang="en-US" sz="1400" b="0" i="0" u="none" strike="noStrike" cap="none" normalizeH="0" baseline="0" dirty="0">
+                <a:ln>
+                  <a:noFill/>
+                </a:ln>
+                <a:solidFill>
+                  <a:srgbClr val="222222"/>
+                </a:solidFill>
+                <a:effectLst/>
+                <a:latin typeface="Courier New" panose="02070309020205020404" pitchFamily="49" charset="0"/>
+              </a:rPr>
+              <a:t>[] </a:t>
+            </a:r>
+          </a:p>
+          <a:p>
+            <a:pPr marL="0" marR="0" lvl="0" indent="0" algn="l" defTabSz="914400" rtl="0" eaLnBrk="0" fontAlgn="base" latinLnBrk="0" hangingPunct="0">
+              <a:lnSpc>
+                <a:spcPct val="100000"/>
+              </a:lnSpc>
+              <a:spcBef>
+                <a:spcPct val="0"/>
+              </a:spcBef>
+              <a:spcAft>
+                <a:spcPct val="0"/>
+              </a:spcAft>
+              <a:buClrTx/>
+              <a:buSzTx/>
+              <a:buFontTx/>
+              <a:buNone/>
+              <a:tabLst/>
+            </a:pPr>
+            <a:r>
+              <a:rPr kumimoji="0" lang="en-US" altLang="en-US" sz="1400" b="0" i="0" u="none" strike="noStrike" cap="none" normalizeH="0" baseline="0" dirty="0">
+                <a:ln>
+                  <a:noFill/>
+                </a:ln>
+                <a:solidFill>
+                  <a:srgbClr val="888888"/>
+                </a:solidFill>
+                <a:effectLst/>
+                <a:latin typeface="Courier New" panose="02070309020205020404" pitchFamily="49" charset="0"/>
+              </a:rPr>
+              <a:t># You can replace all elements of a list</a:t>
+            </a:r>
+            <a:r>
+              <a:rPr kumimoji="0" lang="en-US" altLang="en-US" sz="1400" b="0" i="0" u="none" strike="noStrike" cap="none" normalizeH="0" baseline="0" dirty="0">
+                <a:ln>
+                  <a:noFill/>
+                </a:ln>
+                <a:solidFill>
+                  <a:srgbClr val="222222"/>
+                </a:solidFill>
+                <a:effectLst/>
+                <a:latin typeface="Courier New" panose="02070309020205020404" pitchFamily="49" charset="0"/>
+              </a:rPr>
+              <a:t> </a:t>
+            </a:r>
+          </a:p>
+          <a:p>
+            <a:pPr marL="0" marR="0" lvl="0" indent="0" algn="l" defTabSz="914400" rtl="0" eaLnBrk="0" fontAlgn="base" latinLnBrk="0" hangingPunct="0">
+              <a:lnSpc>
+                <a:spcPct val="100000"/>
+              </a:lnSpc>
+              <a:spcBef>
+                <a:spcPct val="0"/>
+              </a:spcBef>
+              <a:spcAft>
+                <a:spcPct val="0"/>
+              </a:spcAft>
+              <a:buClrTx/>
+              <a:buSzTx/>
+              <a:buFontTx/>
+              <a:buNone/>
+              <a:tabLst/>
+            </a:pPr>
+            <a:r>
+              <a:rPr kumimoji="0" lang="en-US" altLang="en-US" sz="1400" b="0" i="0" u="none" strike="noStrike" cap="none" normalizeH="0" baseline="0" dirty="0">
+                <a:ln>
+                  <a:noFill/>
+                </a:ln>
+                <a:solidFill>
+                  <a:srgbClr val="888888"/>
+                </a:solidFill>
+                <a:effectLst/>
+                <a:latin typeface="Courier New" panose="02070309020205020404" pitchFamily="49" charset="0"/>
+              </a:rPr>
+              <a:t># without creating a new list object:</a:t>
+            </a:r>
+            <a:r>
+              <a:rPr kumimoji="0" lang="en-US" altLang="en-US" sz="1400" b="0" i="0" u="none" strike="noStrike" cap="none" normalizeH="0" baseline="0" dirty="0">
+                <a:ln>
+                  <a:noFill/>
+                </a:ln>
+                <a:solidFill>
+                  <a:srgbClr val="222222"/>
+                </a:solidFill>
+                <a:effectLst/>
+                <a:latin typeface="Courier New" panose="02070309020205020404" pitchFamily="49" charset="0"/>
+              </a:rPr>
+              <a:t> </a:t>
+            </a:r>
+          </a:p>
+          <a:p>
+            <a:pPr marL="0" marR="0" lvl="0" indent="0" algn="l" defTabSz="914400" rtl="0" eaLnBrk="0" fontAlgn="base" latinLnBrk="0" hangingPunct="0">
+              <a:lnSpc>
+                <a:spcPct val="100000"/>
+              </a:lnSpc>
+              <a:spcBef>
+                <a:spcPct val="0"/>
+              </a:spcBef>
+              <a:spcAft>
+                <a:spcPct val="0"/>
+              </a:spcAft>
+              <a:buClrTx/>
+              <a:buSzTx/>
+              <a:buFontTx/>
+              <a:buNone/>
+              <a:tabLst/>
+            </a:pPr>
+            <a:r>
+              <a:rPr kumimoji="0" lang="en-US" altLang="en-US" sz="1400" b="0" i="0" u="none" strike="noStrike" cap="none" normalizeH="0" baseline="0" dirty="0">
+                <a:ln>
+                  <a:noFill/>
+                </a:ln>
+                <a:solidFill>
+                  <a:srgbClr val="333333"/>
+                </a:solidFill>
+                <a:effectLst/>
+                <a:latin typeface="Courier New" panose="02070309020205020404" pitchFamily="49" charset="0"/>
+              </a:rPr>
+              <a:t>&gt;&gt;&gt;</a:t>
+            </a:r>
+            <a:r>
+              <a:rPr kumimoji="0" lang="en-US" altLang="en-US" sz="1400" b="0" i="0" u="none" strike="noStrike" cap="none" normalizeH="0" baseline="0" dirty="0">
+                <a:ln>
+                  <a:noFill/>
+                </a:ln>
+                <a:solidFill>
+                  <a:srgbClr val="222222"/>
+                </a:solidFill>
+                <a:effectLst/>
+                <a:latin typeface="Courier New" panose="02070309020205020404" pitchFamily="49" charset="0"/>
+              </a:rPr>
+              <a:t> a </a:t>
+            </a:r>
+            <a:r>
+              <a:rPr kumimoji="0" lang="en-US" altLang="en-US" sz="1400" b="0" i="0" u="none" strike="noStrike" cap="none" normalizeH="0" baseline="0" dirty="0">
+                <a:ln>
+                  <a:noFill/>
+                </a:ln>
+                <a:solidFill>
+                  <a:srgbClr val="333333"/>
+                </a:solidFill>
+                <a:effectLst/>
+                <a:latin typeface="Courier New" panose="02070309020205020404" pitchFamily="49" charset="0"/>
+              </a:rPr>
+              <a:t>=</a:t>
+            </a:r>
+            <a:r>
+              <a:rPr kumimoji="0" lang="en-US" altLang="en-US" sz="1400" b="0" i="0" u="none" strike="noStrike" cap="none" normalizeH="0" baseline="0" dirty="0">
+                <a:ln>
+                  <a:noFill/>
+                </a:ln>
+                <a:solidFill>
+                  <a:srgbClr val="222222"/>
+                </a:solidFill>
+                <a:effectLst/>
+                <a:latin typeface="Courier New" panose="02070309020205020404" pitchFamily="49" charset="0"/>
+              </a:rPr>
+              <a:t> </a:t>
+            </a:r>
+            <a:r>
+              <a:rPr kumimoji="0" lang="en-US" altLang="en-US" sz="1400" b="0" i="0" u="none" strike="noStrike" cap="none" normalizeH="0" baseline="0" dirty="0" err="1">
+                <a:ln>
+                  <a:noFill/>
+                </a:ln>
+                <a:solidFill>
+                  <a:srgbClr val="222222"/>
+                </a:solidFill>
+                <a:effectLst/>
+                <a:latin typeface="Courier New" panose="02070309020205020404" pitchFamily="49" charset="0"/>
+              </a:rPr>
+              <a:t>lst</a:t>
+            </a:r>
+            <a:r>
+              <a:rPr kumimoji="0" lang="en-US" altLang="en-US" sz="1400" b="0" i="0" u="none" strike="noStrike" cap="none" normalizeH="0" baseline="0" dirty="0">
+                <a:ln>
+                  <a:noFill/>
+                </a:ln>
+                <a:solidFill>
+                  <a:srgbClr val="222222"/>
+                </a:solidFill>
+                <a:effectLst/>
+                <a:latin typeface="Courier New" panose="02070309020205020404" pitchFamily="49" charset="0"/>
+              </a:rPr>
+              <a:t> </a:t>
+            </a:r>
+          </a:p>
+          <a:p>
+            <a:pPr marL="0" marR="0" lvl="0" indent="0" algn="l" defTabSz="914400" rtl="0" eaLnBrk="0" fontAlgn="base" latinLnBrk="0" hangingPunct="0">
+              <a:lnSpc>
+                <a:spcPct val="100000"/>
+              </a:lnSpc>
+              <a:spcBef>
+                <a:spcPct val="0"/>
+              </a:spcBef>
+              <a:spcAft>
+                <a:spcPct val="0"/>
+              </a:spcAft>
+              <a:buClrTx/>
+              <a:buSzTx/>
+              <a:buFontTx/>
+              <a:buNone/>
+              <a:tabLst/>
+            </a:pPr>
+            <a:r>
+              <a:rPr kumimoji="0" lang="en-US" altLang="en-US" sz="1400" b="0" i="0" u="none" strike="noStrike" cap="none" normalizeH="0" baseline="0" dirty="0">
+                <a:ln>
+                  <a:noFill/>
+                </a:ln>
+                <a:solidFill>
+                  <a:srgbClr val="333333"/>
+                </a:solidFill>
+                <a:effectLst/>
+                <a:latin typeface="Courier New" panose="02070309020205020404" pitchFamily="49" charset="0"/>
+              </a:rPr>
+              <a:t>&gt;&gt;&gt;</a:t>
+            </a:r>
+            <a:r>
+              <a:rPr kumimoji="0" lang="en-US" altLang="en-US" sz="1400" b="0" i="0" u="none" strike="noStrike" cap="none" normalizeH="0" baseline="0" dirty="0">
+                <a:ln>
+                  <a:noFill/>
+                </a:ln>
+                <a:solidFill>
+                  <a:srgbClr val="222222"/>
+                </a:solidFill>
+                <a:effectLst/>
+                <a:latin typeface="Courier New" panose="02070309020205020404" pitchFamily="49" charset="0"/>
+              </a:rPr>
+              <a:t> </a:t>
+            </a:r>
+            <a:r>
+              <a:rPr kumimoji="0" lang="en-US" altLang="en-US" sz="1400" b="0" i="0" u="none" strike="noStrike" cap="none" normalizeH="0" baseline="0" dirty="0" err="1">
+                <a:ln>
+                  <a:noFill/>
+                </a:ln>
+                <a:solidFill>
+                  <a:srgbClr val="222222"/>
+                </a:solidFill>
+                <a:effectLst/>
+                <a:latin typeface="Courier New" panose="02070309020205020404" pitchFamily="49" charset="0"/>
+              </a:rPr>
+              <a:t>lst</a:t>
+            </a:r>
+            <a:r>
+              <a:rPr kumimoji="0" lang="en-US" altLang="en-US" sz="1400" b="0" i="0" u="none" strike="noStrike" cap="none" normalizeH="0" baseline="0" dirty="0">
+                <a:ln>
+                  <a:noFill/>
+                </a:ln>
+                <a:solidFill>
+                  <a:srgbClr val="222222"/>
+                </a:solidFill>
+                <a:effectLst/>
+                <a:latin typeface="Courier New" panose="02070309020205020404" pitchFamily="49" charset="0"/>
+              </a:rPr>
+              <a:t>[:] </a:t>
+            </a:r>
+            <a:r>
+              <a:rPr kumimoji="0" lang="en-US" altLang="en-US" sz="1400" b="0" i="0" u="none" strike="noStrike" cap="none" normalizeH="0" baseline="0" dirty="0">
+                <a:ln>
+                  <a:noFill/>
+                </a:ln>
+                <a:solidFill>
+                  <a:srgbClr val="333333"/>
+                </a:solidFill>
+                <a:effectLst/>
+                <a:latin typeface="Courier New" panose="02070309020205020404" pitchFamily="49" charset="0"/>
+              </a:rPr>
+              <a:t>=</a:t>
+            </a:r>
+            <a:r>
+              <a:rPr kumimoji="0" lang="en-US" altLang="en-US" sz="1400" b="0" i="0" u="none" strike="noStrike" cap="none" normalizeH="0" baseline="0" dirty="0">
+                <a:ln>
+                  <a:noFill/>
+                </a:ln>
+                <a:solidFill>
+                  <a:srgbClr val="222222"/>
+                </a:solidFill>
+                <a:effectLst/>
+                <a:latin typeface="Courier New" panose="02070309020205020404" pitchFamily="49" charset="0"/>
+              </a:rPr>
+              <a:t> [</a:t>
+            </a:r>
+            <a:r>
+              <a:rPr kumimoji="0" lang="en-US" altLang="en-US" sz="1400" b="1" i="0" u="none" strike="noStrike" cap="none" normalizeH="0" baseline="0" dirty="0">
+                <a:ln>
+                  <a:noFill/>
+                </a:ln>
+                <a:solidFill>
+                  <a:srgbClr val="0000DD"/>
+                </a:solidFill>
+                <a:effectLst/>
+                <a:latin typeface="Courier New" panose="02070309020205020404" pitchFamily="49" charset="0"/>
+              </a:rPr>
+              <a:t>7</a:t>
+            </a:r>
+            <a:r>
+              <a:rPr kumimoji="0" lang="en-US" altLang="en-US" sz="1400" b="0" i="0" u="none" strike="noStrike" cap="none" normalizeH="0" baseline="0" dirty="0">
+                <a:ln>
+                  <a:noFill/>
+                </a:ln>
+                <a:solidFill>
+                  <a:srgbClr val="222222"/>
+                </a:solidFill>
+                <a:effectLst/>
+                <a:latin typeface="Courier New" panose="02070309020205020404" pitchFamily="49" charset="0"/>
+              </a:rPr>
+              <a:t>, </a:t>
+            </a:r>
+            <a:r>
+              <a:rPr kumimoji="0" lang="en-US" altLang="en-US" sz="1400" b="1" i="0" u="none" strike="noStrike" cap="none" normalizeH="0" baseline="0" dirty="0">
+                <a:ln>
+                  <a:noFill/>
+                </a:ln>
+                <a:solidFill>
+                  <a:srgbClr val="0000DD"/>
+                </a:solidFill>
+                <a:effectLst/>
+                <a:latin typeface="Courier New" panose="02070309020205020404" pitchFamily="49" charset="0"/>
+              </a:rPr>
+              <a:t>8</a:t>
+            </a:r>
+            <a:r>
+              <a:rPr kumimoji="0" lang="en-US" altLang="en-US" sz="1400" b="0" i="0" u="none" strike="noStrike" cap="none" normalizeH="0" baseline="0" dirty="0">
+                <a:ln>
+                  <a:noFill/>
+                </a:ln>
+                <a:solidFill>
+                  <a:srgbClr val="222222"/>
+                </a:solidFill>
+                <a:effectLst/>
+                <a:latin typeface="Courier New" panose="02070309020205020404" pitchFamily="49" charset="0"/>
+              </a:rPr>
+              <a:t>, </a:t>
+            </a:r>
+            <a:r>
+              <a:rPr kumimoji="0" lang="en-US" altLang="en-US" sz="1400" b="1" i="0" u="none" strike="noStrike" cap="none" normalizeH="0" baseline="0" dirty="0">
+                <a:ln>
+                  <a:noFill/>
+                </a:ln>
+                <a:solidFill>
+                  <a:srgbClr val="0000DD"/>
+                </a:solidFill>
+                <a:effectLst/>
+                <a:latin typeface="Courier New" panose="02070309020205020404" pitchFamily="49" charset="0"/>
+              </a:rPr>
+              <a:t>9</a:t>
+            </a:r>
+            <a:r>
+              <a:rPr kumimoji="0" lang="en-US" altLang="en-US" sz="1400" b="0" i="0" u="none" strike="noStrike" cap="none" normalizeH="0" baseline="0" dirty="0">
+                <a:ln>
+                  <a:noFill/>
+                </a:ln>
+                <a:solidFill>
+                  <a:srgbClr val="222222"/>
+                </a:solidFill>
+                <a:effectLst/>
+                <a:latin typeface="Courier New" panose="02070309020205020404" pitchFamily="49" charset="0"/>
+              </a:rPr>
+              <a:t>] </a:t>
+            </a:r>
+          </a:p>
+          <a:p>
+            <a:pPr marL="0" marR="0" lvl="0" indent="0" algn="l" defTabSz="914400" rtl="0" eaLnBrk="0" fontAlgn="base" latinLnBrk="0" hangingPunct="0">
+              <a:lnSpc>
+                <a:spcPct val="100000"/>
+              </a:lnSpc>
+              <a:spcBef>
+                <a:spcPct val="0"/>
+              </a:spcBef>
+              <a:spcAft>
+                <a:spcPct val="0"/>
+              </a:spcAft>
+              <a:buClrTx/>
+              <a:buSzTx/>
+              <a:buFontTx/>
+              <a:buNone/>
+              <a:tabLst/>
+            </a:pPr>
+            <a:r>
+              <a:rPr kumimoji="0" lang="en-US" altLang="en-US" sz="1400" b="0" i="0" u="none" strike="noStrike" cap="none" normalizeH="0" baseline="0" dirty="0">
+                <a:ln>
+                  <a:noFill/>
+                </a:ln>
+                <a:solidFill>
+                  <a:srgbClr val="333333"/>
+                </a:solidFill>
+                <a:effectLst/>
+                <a:latin typeface="Courier New" panose="02070309020205020404" pitchFamily="49" charset="0"/>
+              </a:rPr>
+              <a:t>&gt;&gt;&gt;</a:t>
+            </a:r>
+            <a:r>
+              <a:rPr kumimoji="0" lang="en-US" altLang="en-US" sz="1400" b="0" i="0" u="none" strike="noStrike" cap="none" normalizeH="0" baseline="0" dirty="0">
+                <a:ln>
+                  <a:noFill/>
+                </a:ln>
+                <a:solidFill>
+                  <a:srgbClr val="222222"/>
+                </a:solidFill>
+                <a:effectLst/>
+                <a:latin typeface="Courier New" panose="02070309020205020404" pitchFamily="49" charset="0"/>
+              </a:rPr>
+              <a:t> </a:t>
+            </a:r>
+            <a:r>
+              <a:rPr kumimoji="0" lang="en-US" altLang="en-US" sz="1400" b="0" i="0" u="none" strike="noStrike" cap="none" normalizeH="0" baseline="0" dirty="0" err="1">
+                <a:ln>
+                  <a:noFill/>
+                </a:ln>
+                <a:solidFill>
+                  <a:srgbClr val="222222"/>
+                </a:solidFill>
+                <a:effectLst/>
+                <a:latin typeface="Courier New" panose="02070309020205020404" pitchFamily="49" charset="0"/>
+              </a:rPr>
+              <a:t>lst</a:t>
+            </a:r>
+            <a:r>
+              <a:rPr kumimoji="0" lang="en-US" altLang="en-US" sz="1400" b="0" i="0" u="none" strike="noStrike" cap="none" normalizeH="0" baseline="0" dirty="0">
+                <a:ln>
+                  <a:noFill/>
+                </a:ln>
+                <a:solidFill>
+                  <a:srgbClr val="222222"/>
+                </a:solidFill>
+                <a:effectLst/>
+                <a:latin typeface="Courier New" panose="02070309020205020404" pitchFamily="49" charset="0"/>
+              </a:rPr>
+              <a:t> </a:t>
+            </a:r>
+          </a:p>
+          <a:p>
+            <a:pPr marL="0" marR="0" lvl="0" indent="0" algn="l" defTabSz="914400" rtl="0" eaLnBrk="0" fontAlgn="base" latinLnBrk="0" hangingPunct="0">
+              <a:lnSpc>
+                <a:spcPct val="100000"/>
+              </a:lnSpc>
+              <a:spcBef>
+                <a:spcPct val="0"/>
+              </a:spcBef>
+              <a:spcAft>
+                <a:spcPct val="0"/>
+              </a:spcAft>
+              <a:buClrTx/>
+              <a:buSzTx/>
+              <a:buFontTx/>
+              <a:buNone/>
+              <a:tabLst/>
+            </a:pPr>
+            <a:r>
+              <a:rPr kumimoji="0" lang="en-US" altLang="en-US" sz="1400" b="0" i="0" u="none" strike="noStrike" cap="none" normalizeH="0" baseline="0" dirty="0">
+                <a:ln>
+                  <a:noFill/>
+                </a:ln>
+                <a:solidFill>
+                  <a:srgbClr val="222222"/>
+                </a:solidFill>
+                <a:effectLst/>
+                <a:latin typeface="Courier New" panose="02070309020205020404" pitchFamily="49" charset="0"/>
+              </a:rPr>
+              <a:t>[</a:t>
+            </a:r>
+            <a:r>
+              <a:rPr kumimoji="0" lang="en-US" altLang="en-US" sz="1400" b="1" i="0" u="none" strike="noStrike" cap="none" normalizeH="0" baseline="0" dirty="0">
+                <a:ln>
+                  <a:noFill/>
+                </a:ln>
+                <a:solidFill>
+                  <a:srgbClr val="0000DD"/>
+                </a:solidFill>
+                <a:effectLst/>
+                <a:latin typeface="Courier New" panose="02070309020205020404" pitchFamily="49" charset="0"/>
+              </a:rPr>
+              <a:t>7</a:t>
+            </a:r>
+            <a:r>
+              <a:rPr kumimoji="0" lang="en-US" altLang="en-US" sz="1400" b="0" i="0" u="none" strike="noStrike" cap="none" normalizeH="0" baseline="0" dirty="0">
+                <a:ln>
+                  <a:noFill/>
+                </a:ln>
+                <a:solidFill>
+                  <a:srgbClr val="222222"/>
+                </a:solidFill>
+                <a:effectLst/>
+                <a:latin typeface="Courier New" panose="02070309020205020404" pitchFamily="49" charset="0"/>
+              </a:rPr>
+              <a:t>, </a:t>
+            </a:r>
+            <a:r>
+              <a:rPr kumimoji="0" lang="en-US" altLang="en-US" sz="1400" b="1" i="0" u="none" strike="noStrike" cap="none" normalizeH="0" baseline="0" dirty="0">
+                <a:ln>
+                  <a:noFill/>
+                </a:ln>
+                <a:solidFill>
+                  <a:srgbClr val="0000DD"/>
+                </a:solidFill>
+                <a:effectLst/>
+                <a:latin typeface="Courier New" panose="02070309020205020404" pitchFamily="49" charset="0"/>
+              </a:rPr>
+              <a:t>8</a:t>
+            </a:r>
+            <a:r>
+              <a:rPr kumimoji="0" lang="en-US" altLang="en-US" sz="1400" b="0" i="0" u="none" strike="noStrike" cap="none" normalizeH="0" baseline="0" dirty="0">
+                <a:ln>
+                  <a:noFill/>
+                </a:ln>
+                <a:solidFill>
+                  <a:srgbClr val="222222"/>
+                </a:solidFill>
+                <a:effectLst/>
+                <a:latin typeface="Courier New" panose="02070309020205020404" pitchFamily="49" charset="0"/>
+              </a:rPr>
+              <a:t>, </a:t>
+            </a:r>
+            <a:r>
+              <a:rPr kumimoji="0" lang="en-US" altLang="en-US" sz="1400" b="1" i="0" u="none" strike="noStrike" cap="none" normalizeH="0" baseline="0" dirty="0">
+                <a:ln>
+                  <a:noFill/>
+                </a:ln>
+                <a:solidFill>
+                  <a:srgbClr val="0000DD"/>
+                </a:solidFill>
+                <a:effectLst/>
+                <a:latin typeface="Courier New" panose="02070309020205020404" pitchFamily="49" charset="0"/>
+              </a:rPr>
+              <a:t>9</a:t>
+            </a:r>
+            <a:r>
+              <a:rPr kumimoji="0" lang="en-US" altLang="en-US" sz="1400" b="0" i="0" u="none" strike="noStrike" cap="none" normalizeH="0" baseline="0" dirty="0">
+                <a:ln>
+                  <a:noFill/>
+                </a:ln>
+                <a:solidFill>
+                  <a:srgbClr val="222222"/>
+                </a:solidFill>
+                <a:effectLst/>
+                <a:latin typeface="Courier New" panose="02070309020205020404" pitchFamily="49" charset="0"/>
+              </a:rPr>
+              <a:t>] </a:t>
+            </a:r>
+          </a:p>
+          <a:p>
+            <a:pPr marL="0" marR="0" lvl="0" indent="0" algn="l" defTabSz="914400" rtl="0" eaLnBrk="0" fontAlgn="base" latinLnBrk="0" hangingPunct="0">
+              <a:lnSpc>
+                <a:spcPct val="100000"/>
+              </a:lnSpc>
+              <a:spcBef>
+                <a:spcPct val="0"/>
+              </a:spcBef>
+              <a:spcAft>
+                <a:spcPct val="0"/>
+              </a:spcAft>
+              <a:buClrTx/>
+              <a:buSzTx/>
+              <a:buFontTx/>
+              <a:buNone/>
+              <a:tabLst/>
+            </a:pPr>
+            <a:r>
+              <a:rPr kumimoji="0" lang="en-US" altLang="en-US" sz="1400" b="0" i="0" u="none" strike="noStrike" cap="none" normalizeH="0" baseline="0" dirty="0">
+                <a:ln>
+                  <a:noFill/>
+                </a:ln>
+                <a:solidFill>
+                  <a:srgbClr val="333333"/>
+                </a:solidFill>
+                <a:effectLst/>
+                <a:latin typeface="Courier New" panose="02070309020205020404" pitchFamily="49" charset="0"/>
+              </a:rPr>
+              <a:t>&gt;&gt;&gt;</a:t>
+            </a:r>
+            <a:r>
+              <a:rPr kumimoji="0" lang="en-US" altLang="en-US" sz="1400" b="0" i="0" u="none" strike="noStrike" cap="none" normalizeH="0" baseline="0" dirty="0">
+                <a:ln>
+                  <a:noFill/>
+                </a:ln>
+                <a:solidFill>
+                  <a:srgbClr val="222222"/>
+                </a:solidFill>
+                <a:effectLst/>
+                <a:latin typeface="Courier New" panose="02070309020205020404" pitchFamily="49" charset="0"/>
+              </a:rPr>
+              <a:t> a =[</a:t>
+            </a:r>
+            <a:r>
+              <a:rPr kumimoji="0" lang="en-US" altLang="en-US" sz="1400" b="1" i="0" u="none" strike="noStrike" cap="none" normalizeH="0" baseline="0" dirty="0">
+                <a:ln>
+                  <a:noFill/>
+                </a:ln>
+                <a:solidFill>
+                  <a:srgbClr val="0000DD"/>
+                </a:solidFill>
+                <a:effectLst/>
+                <a:latin typeface="Courier New" panose="02070309020205020404" pitchFamily="49" charset="0"/>
+              </a:rPr>
+              <a:t>7</a:t>
+            </a:r>
+            <a:r>
+              <a:rPr kumimoji="0" lang="en-US" altLang="en-US" sz="1400" b="0" i="0" u="none" strike="noStrike" cap="none" normalizeH="0" baseline="0" dirty="0">
+                <a:ln>
+                  <a:noFill/>
+                </a:ln>
+                <a:solidFill>
+                  <a:srgbClr val="222222"/>
+                </a:solidFill>
+                <a:effectLst/>
+                <a:latin typeface="Courier New" panose="02070309020205020404" pitchFamily="49" charset="0"/>
+              </a:rPr>
+              <a:t>, </a:t>
+            </a:r>
+            <a:r>
+              <a:rPr kumimoji="0" lang="en-US" altLang="en-US" sz="1400" b="1" i="0" u="none" strike="noStrike" cap="none" normalizeH="0" baseline="0" dirty="0">
+                <a:ln>
+                  <a:noFill/>
+                </a:ln>
+                <a:solidFill>
+                  <a:srgbClr val="0000DD"/>
+                </a:solidFill>
+                <a:effectLst/>
+                <a:latin typeface="Courier New" panose="02070309020205020404" pitchFamily="49" charset="0"/>
+              </a:rPr>
+              <a:t>8</a:t>
+            </a:r>
+            <a:r>
+              <a:rPr kumimoji="0" lang="en-US" altLang="en-US" sz="1400" b="0" i="0" u="none" strike="noStrike" cap="none" normalizeH="0" baseline="0" dirty="0">
+                <a:ln>
+                  <a:noFill/>
+                </a:ln>
+                <a:solidFill>
+                  <a:srgbClr val="222222"/>
+                </a:solidFill>
+                <a:effectLst/>
+                <a:latin typeface="Courier New" panose="02070309020205020404" pitchFamily="49" charset="0"/>
+              </a:rPr>
+              <a:t>, </a:t>
+            </a:r>
+            <a:r>
+              <a:rPr kumimoji="0" lang="en-US" altLang="en-US" sz="1400" b="1" i="0" u="none" strike="noStrike" cap="none" normalizeH="0" baseline="0" dirty="0">
+                <a:ln>
+                  <a:noFill/>
+                </a:ln>
+                <a:solidFill>
+                  <a:srgbClr val="0000DD"/>
+                </a:solidFill>
+                <a:effectLst/>
+                <a:latin typeface="Courier New" panose="02070309020205020404" pitchFamily="49" charset="0"/>
+              </a:rPr>
+              <a:t>9</a:t>
+            </a:r>
+            <a:r>
+              <a:rPr kumimoji="0" lang="en-US" altLang="en-US" sz="1400" b="0" i="0" u="none" strike="noStrike" cap="none" normalizeH="0" baseline="0" dirty="0">
+                <a:ln>
+                  <a:noFill/>
+                </a:ln>
+                <a:solidFill>
+                  <a:srgbClr val="222222"/>
+                </a:solidFill>
+                <a:effectLst/>
+                <a:latin typeface="Courier New" panose="02070309020205020404" pitchFamily="49" charset="0"/>
+              </a:rPr>
+              <a:t>] </a:t>
+            </a:r>
+          </a:p>
+          <a:p>
+            <a:pPr marL="0" marR="0" lvl="0" indent="0" algn="l" defTabSz="914400" rtl="0" eaLnBrk="0" fontAlgn="base" latinLnBrk="0" hangingPunct="0">
+              <a:lnSpc>
+                <a:spcPct val="100000"/>
+              </a:lnSpc>
+              <a:spcBef>
+                <a:spcPct val="0"/>
+              </a:spcBef>
+              <a:spcAft>
+                <a:spcPct val="0"/>
+              </a:spcAft>
+              <a:buClrTx/>
+              <a:buSzTx/>
+              <a:buFontTx/>
+              <a:buNone/>
+              <a:tabLst/>
+            </a:pPr>
+            <a:r>
+              <a:rPr kumimoji="0" lang="en-US" altLang="en-US" sz="1400" b="0" i="0" u="none" strike="noStrike" cap="none" normalizeH="0" baseline="0" dirty="0">
+                <a:ln>
+                  <a:noFill/>
+                </a:ln>
+                <a:solidFill>
+                  <a:srgbClr val="333333"/>
+                </a:solidFill>
+                <a:effectLst/>
+                <a:latin typeface="Courier New" panose="02070309020205020404" pitchFamily="49" charset="0"/>
+              </a:rPr>
+              <a:t>&gt;&gt;&gt;</a:t>
+            </a:r>
+            <a:r>
+              <a:rPr kumimoji="0" lang="en-US" altLang="en-US" sz="1400" b="0" i="0" u="none" strike="noStrike" cap="none" normalizeH="0" baseline="0" dirty="0">
+                <a:ln>
+                  <a:noFill/>
+                </a:ln>
+                <a:solidFill>
+                  <a:srgbClr val="222222"/>
+                </a:solidFill>
+                <a:effectLst/>
+                <a:latin typeface="Courier New" panose="02070309020205020404" pitchFamily="49" charset="0"/>
+              </a:rPr>
+              <a:t> a </a:t>
+            </a:r>
+            <a:r>
+              <a:rPr kumimoji="0" lang="en-US" altLang="en-US" sz="1400" b="1" i="0" u="none" strike="noStrike" cap="none" normalizeH="0" baseline="0" dirty="0">
+                <a:ln>
+                  <a:noFill/>
+                </a:ln>
+                <a:solidFill>
+                  <a:srgbClr val="000000"/>
+                </a:solidFill>
+                <a:effectLst/>
+                <a:latin typeface="Courier New" panose="02070309020205020404" pitchFamily="49" charset="0"/>
+              </a:rPr>
+              <a:t>is</a:t>
+            </a:r>
+            <a:r>
+              <a:rPr kumimoji="0" lang="en-US" altLang="en-US" sz="1400" b="0" i="0" u="none" strike="noStrike" cap="none" normalizeH="0" baseline="0" dirty="0">
+                <a:ln>
+                  <a:noFill/>
+                </a:ln>
+                <a:solidFill>
+                  <a:srgbClr val="222222"/>
+                </a:solidFill>
+                <a:effectLst/>
+                <a:latin typeface="Courier New" panose="02070309020205020404" pitchFamily="49" charset="0"/>
+              </a:rPr>
+              <a:t> </a:t>
+            </a:r>
+            <a:r>
+              <a:rPr kumimoji="0" lang="en-US" altLang="en-US" sz="1400" b="0" i="0" u="none" strike="noStrike" cap="none" normalizeH="0" baseline="0" dirty="0" err="1">
+                <a:ln>
+                  <a:noFill/>
+                </a:ln>
+                <a:solidFill>
+                  <a:srgbClr val="222222"/>
+                </a:solidFill>
+                <a:effectLst/>
+                <a:latin typeface="Courier New" panose="02070309020205020404" pitchFamily="49" charset="0"/>
+              </a:rPr>
+              <a:t>lst</a:t>
+            </a:r>
+            <a:r>
+              <a:rPr kumimoji="0" lang="en-US" altLang="en-US" sz="1400" b="0" i="0" u="none" strike="noStrike" cap="none" normalizeH="0" baseline="0" dirty="0">
+                <a:ln>
+                  <a:noFill/>
+                </a:ln>
+                <a:solidFill>
+                  <a:srgbClr val="222222"/>
+                </a:solidFill>
+                <a:effectLst/>
+                <a:latin typeface="Courier New" panose="02070309020205020404" pitchFamily="49" charset="0"/>
+              </a:rPr>
+              <a:t> </a:t>
+            </a:r>
+          </a:p>
+          <a:p>
+            <a:pPr marL="0" marR="0" lvl="0" indent="0" algn="l" defTabSz="914400" rtl="0" eaLnBrk="0" fontAlgn="base" latinLnBrk="0" hangingPunct="0">
+              <a:lnSpc>
+                <a:spcPct val="100000"/>
+              </a:lnSpc>
+              <a:spcBef>
+                <a:spcPct val="0"/>
+              </a:spcBef>
+              <a:spcAft>
+                <a:spcPct val="0"/>
+              </a:spcAft>
+              <a:buClrTx/>
+              <a:buSzTx/>
+              <a:buFontTx/>
+              <a:buNone/>
+              <a:tabLst/>
+            </a:pPr>
+            <a:r>
+              <a:rPr kumimoji="0" lang="en-US" altLang="en-US" sz="1400" b="1" i="0" u="none" strike="noStrike" cap="none" normalizeH="0" baseline="0" dirty="0">
+                <a:ln>
+                  <a:noFill/>
+                </a:ln>
+                <a:solidFill>
+                  <a:srgbClr val="008800"/>
+                </a:solidFill>
+                <a:effectLst/>
+                <a:latin typeface="Courier New" panose="02070309020205020404" pitchFamily="49" charset="0"/>
+              </a:rPr>
+              <a:t>True</a:t>
+            </a:r>
+            <a:r>
+              <a:rPr kumimoji="0" lang="en-US" altLang="en-US" sz="1400" b="0" i="0" u="none" strike="noStrike" cap="none" normalizeH="0" baseline="0" dirty="0">
+                <a:ln>
+                  <a:noFill/>
+                </a:ln>
+                <a:solidFill>
+                  <a:srgbClr val="222222"/>
+                </a:solidFill>
+                <a:effectLst/>
+                <a:latin typeface="Courier New" panose="02070309020205020404" pitchFamily="49" charset="0"/>
+              </a:rPr>
+              <a:t> </a:t>
+            </a:r>
+          </a:p>
+          <a:p>
+            <a:pPr marL="0" marR="0" lvl="0" indent="0" algn="l" defTabSz="914400" rtl="0" eaLnBrk="0" fontAlgn="base" latinLnBrk="0" hangingPunct="0">
+              <a:lnSpc>
+                <a:spcPct val="100000"/>
+              </a:lnSpc>
+              <a:spcBef>
+                <a:spcPct val="0"/>
+              </a:spcBef>
+              <a:spcAft>
+                <a:spcPct val="0"/>
+              </a:spcAft>
+              <a:buClrTx/>
+              <a:buSzTx/>
+              <a:buFontTx/>
+              <a:buNone/>
+              <a:tabLst/>
+            </a:pPr>
+            <a:r>
+              <a:rPr kumimoji="0" lang="en-US" altLang="en-US" sz="1400" b="0" i="0" u="none" strike="noStrike" cap="none" normalizeH="0" baseline="0" dirty="0">
+                <a:ln>
+                  <a:noFill/>
+                </a:ln>
+                <a:solidFill>
+                  <a:srgbClr val="888888"/>
+                </a:solidFill>
+                <a:effectLst/>
+                <a:latin typeface="Courier New" panose="02070309020205020404" pitchFamily="49" charset="0"/>
+              </a:rPr>
+              <a:t># You can also create a (shallow) copy of a list:</a:t>
+            </a:r>
+            <a:r>
+              <a:rPr kumimoji="0" lang="en-US" altLang="en-US" sz="1400" b="0" i="0" u="none" strike="noStrike" cap="none" normalizeH="0" baseline="0" dirty="0">
+                <a:ln>
+                  <a:noFill/>
+                </a:ln>
+                <a:solidFill>
+                  <a:srgbClr val="222222"/>
+                </a:solidFill>
+                <a:effectLst/>
+                <a:latin typeface="Courier New" panose="02070309020205020404" pitchFamily="49" charset="0"/>
+              </a:rPr>
+              <a:t> </a:t>
+            </a:r>
+          </a:p>
+          <a:p>
+            <a:pPr marL="0" marR="0" lvl="0" indent="0" algn="l" defTabSz="914400" rtl="0" eaLnBrk="0" fontAlgn="base" latinLnBrk="0" hangingPunct="0">
+              <a:lnSpc>
+                <a:spcPct val="100000"/>
+              </a:lnSpc>
+              <a:spcBef>
+                <a:spcPct val="0"/>
+              </a:spcBef>
+              <a:spcAft>
+                <a:spcPct val="0"/>
+              </a:spcAft>
+              <a:buClrTx/>
+              <a:buSzTx/>
+              <a:buFontTx/>
+              <a:buNone/>
+              <a:tabLst/>
+            </a:pPr>
+            <a:r>
+              <a:rPr kumimoji="0" lang="en-US" altLang="en-US" sz="1400" b="0" i="0" u="none" strike="noStrike" cap="none" normalizeH="0" baseline="0" dirty="0">
+                <a:ln>
+                  <a:noFill/>
+                </a:ln>
+                <a:solidFill>
+                  <a:srgbClr val="333333"/>
+                </a:solidFill>
+                <a:effectLst/>
+                <a:latin typeface="Courier New" panose="02070309020205020404" pitchFamily="49" charset="0"/>
+              </a:rPr>
+              <a:t>&gt;&gt;&gt;</a:t>
+            </a:r>
+            <a:r>
+              <a:rPr kumimoji="0" lang="en-US" altLang="en-US" sz="1400" b="0" i="0" u="none" strike="noStrike" cap="none" normalizeH="0" baseline="0" dirty="0">
+                <a:ln>
+                  <a:noFill/>
+                </a:ln>
+                <a:solidFill>
+                  <a:srgbClr val="222222"/>
+                </a:solidFill>
+                <a:effectLst/>
+                <a:latin typeface="Courier New" panose="02070309020205020404" pitchFamily="49" charset="0"/>
+              </a:rPr>
+              <a:t> b </a:t>
+            </a:r>
+            <a:r>
+              <a:rPr kumimoji="0" lang="en-US" altLang="en-US" sz="1400" b="0" i="0" u="none" strike="noStrike" cap="none" normalizeH="0" baseline="0" dirty="0">
+                <a:ln>
+                  <a:noFill/>
+                </a:ln>
+                <a:solidFill>
+                  <a:srgbClr val="333333"/>
+                </a:solidFill>
+                <a:effectLst/>
+                <a:latin typeface="Courier New" panose="02070309020205020404" pitchFamily="49" charset="0"/>
+              </a:rPr>
+              <a:t>=</a:t>
+            </a:r>
+            <a:r>
+              <a:rPr kumimoji="0" lang="en-US" altLang="en-US" sz="1400" b="0" i="0" u="none" strike="noStrike" cap="none" normalizeH="0" baseline="0" dirty="0">
+                <a:ln>
+                  <a:noFill/>
+                </a:ln>
+                <a:solidFill>
+                  <a:srgbClr val="222222"/>
+                </a:solidFill>
+                <a:effectLst/>
+                <a:latin typeface="Courier New" panose="02070309020205020404" pitchFamily="49" charset="0"/>
+              </a:rPr>
+              <a:t> </a:t>
+            </a:r>
+            <a:r>
+              <a:rPr kumimoji="0" lang="en-US" altLang="en-US" sz="1400" b="0" i="0" u="none" strike="noStrike" cap="none" normalizeH="0" baseline="0" dirty="0" err="1">
+                <a:ln>
+                  <a:noFill/>
+                </a:ln>
+                <a:solidFill>
+                  <a:srgbClr val="222222"/>
+                </a:solidFill>
+                <a:effectLst/>
+                <a:latin typeface="Courier New" panose="02070309020205020404" pitchFamily="49" charset="0"/>
+              </a:rPr>
+              <a:t>lst</a:t>
+            </a:r>
+            <a:r>
+              <a:rPr kumimoji="0" lang="en-US" altLang="en-US" sz="1400" b="0" i="0" u="none" strike="noStrike" cap="none" normalizeH="0" baseline="0" dirty="0">
+                <a:ln>
+                  <a:noFill/>
+                </a:ln>
+                <a:solidFill>
+                  <a:srgbClr val="222222"/>
+                </a:solidFill>
+                <a:effectLst/>
+                <a:latin typeface="Courier New" panose="02070309020205020404" pitchFamily="49" charset="0"/>
+              </a:rPr>
+              <a:t>[:] </a:t>
+            </a:r>
+          </a:p>
+          <a:p>
+            <a:pPr marL="0" marR="0" lvl="0" indent="0" algn="l" defTabSz="914400" rtl="0" eaLnBrk="0" fontAlgn="base" latinLnBrk="0" hangingPunct="0">
+              <a:lnSpc>
+                <a:spcPct val="100000"/>
+              </a:lnSpc>
+              <a:spcBef>
+                <a:spcPct val="0"/>
+              </a:spcBef>
+              <a:spcAft>
+                <a:spcPct val="0"/>
+              </a:spcAft>
+              <a:buClrTx/>
+              <a:buSzTx/>
+              <a:buFontTx/>
+              <a:buNone/>
+              <a:tabLst/>
+            </a:pPr>
+            <a:r>
+              <a:rPr kumimoji="0" lang="en-US" altLang="en-US" sz="1400" b="0" i="0" u="none" strike="noStrike" cap="none" normalizeH="0" baseline="0" dirty="0">
+                <a:ln>
+                  <a:noFill/>
+                </a:ln>
+                <a:solidFill>
+                  <a:srgbClr val="333333"/>
+                </a:solidFill>
+                <a:effectLst/>
+                <a:latin typeface="Courier New" panose="02070309020205020404" pitchFamily="49" charset="0"/>
+              </a:rPr>
+              <a:t>&gt;&gt;&gt;</a:t>
+            </a:r>
+            <a:r>
+              <a:rPr kumimoji="0" lang="en-US" altLang="en-US" sz="1400" b="0" i="0" u="none" strike="noStrike" cap="none" normalizeH="0" baseline="0" dirty="0">
+                <a:ln>
+                  <a:noFill/>
+                </a:ln>
+                <a:solidFill>
+                  <a:srgbClr val="222222"/>
+                </a:solidFill>
+                <a:effectLst/>
+                <a:latin typeface="Courier New" panose="02070309020205020404" pitchFamily="49" charset="0"/>
+              </a:rPr>
+              <a:t> b [</a:t>
+            </a:r>
+            <a:r>
+              <a:rPr kumimoji="0" lang="en-US" altLang="en-US" sz="1400" b="1" i="0" u="none" strike="noStrike" cap="none" normalizeH="0" baseline="0" dirty="0">
+                <a:ln>
+                  <a:noFill/>
+                </a:ln>
+                <a:solidFill>
+                  <a:srgbClr val="0000DD"/>
+                </a:solidFill>
+                <a:effectLst/>
+                <a:latin typeface="Courier New" panose="02070309020205020404" pitchFamily="49" charset="0"/>
+              </a:rPr>
+              <a:t>7</a:t>
+            </a:r>
+            <a:r>
+              <a:rPr kumimoji="0" lang="en-US" altLang="en-US" sz="1400" b="0" i="0" u="none" strike="noStrike" cap="none" normalizeH="0" baseline="0" dirty="0">
+                <a:ln>
+                  <a:noFill/>
+                </a:ln>
+                <a:solidFill>
+                  <a:srgbClr val="222222"/>
+                </a:solidFill>
+                <a:effectLst/>
+                <a:latin typeface="Courier New" panose="02070309020205020404" pitchFamily="49" charset="0"/>
+              </a:rPr>
+              <a:t>, </a:t>
+            </a:r>
+            <a:r>
+              <a:rPr kumimoji="0" lang="en-US" altLang="en-US" sz="1400" b="1" i="0" u="none" strike="noStrike" cap="none" normalizeH="0" baseline="0" dirty="0">
+                <a:ln>
+                  <a:noFill/>
+                </a:ln>
+                <a:solidFill>
+                  <a:srgbClr val="0000DD"/>
+                </a:solidFill>
+                <a:effectLst/>
+                <a:latin typeface="Courier New" panose="02070309020205020404" pitchFamily="49" charset="0"/>
+              </a:rPr>
+              <a:t>8</a:t>
+            </a:r>
+            <a:r>
+              <a:rPr kumimoji="0" lang="en-US" altLang="en-US" sz="1400" b="0" i="0" u="none" strike="noStrike" cap="none" normalizeH="0" baseline="0" dirty="0">
+                <a:ln>
+                  <a:noFill/>
+                </a:ln>
+                <a:solidFill>
+                  <a:srgbClr val="222222"/>
+                </a:solidFill>
+                <a:effectLst/>
+                <a:latin typeface="Courier New" panose="02070309020205020404" pitchFamily="49" charset="0"/>
+              </a:rPr>
+              <a:t>, </a:t>
+            </a:r>
+            <a:r>
+              <a:rPr kumimoji="0" lang="en-US" altLang="en-US" sz="1400" b="1" i="0" u="none" strike="noStrike" cap="none" normalizeH="0" baseline="0" dirty="0">
+                <a:ln>
+                  <a:noFill/>
+                </a:ln>
+                <a:solidFill>
+                  <a:srgbClr val="0000DD"/>
+                </a:solidFill>
+                <a:effectLst/>
+                <a:latin typeface="Courier New" panose="02070309020205020404" pitchFamily="49" charset="0"/>
+              </a:rPr>
+              <a:t>9</a:t>
+            </a:r>
+            <a:r>
+              <a:rPr kumimoji="0" lang="en-US" altLang="en-US" sz="1400" b="0" i="0" u="none" strike="noStrike" cap="none" normalizeH="0" baseline="0" dirty="0">
+                <a:ln>
+                  <a:noFill/>
+                </a:ln>
+                <a:solidFill>
+                  <a:srgbClr val="222222"/>
+                </a:solidFill>
+                <a:effectLst/>
+                <a:latin typeface="Courier New" panose="02070309020205020404" pitchFamily="49" charset="0"/>
+              </a:rPr>
+              <a:t>] </a:t>
+            </a:r>
+          </a:p>
+          <a:p>
+            <a:pPr marL="0" marR="0" lvl="0" indent="0" algn="l" defTabSz="914400" rtl="0" eaLnBrk="0" fontAlgn="base" latinLnBrk="0" hangingPunct="0">
+              <a:lnSpc>
+                <a:spcPct val="100000"/>
+              </a:lnSpc>
+              <a:spcBef>
+                <a:spcPct val="0"/>
+              </a:spcBef>
+              <a:spcAft>
+                <a:spcPct val="0"/>
+              </a:spcAft>
+              <a:buClrTx/>
+              <a:buSzTx/>
+              <a:buFontTx/>
+              <a:buNone/>
+              <a:tabLst/>
+            </a:pPr>
+            <a:r>
+              <a:rPr kumimoji="0" lang="en-US" altLang="en-US" sz="1400" b="0" i="0" u="none" strike="noStrike" cap="none" normalizeH="0" baseline="0" dirty="0">
+                <a:ln>
+                  <a:noFill/>
+                </a:ln>
+                <a:solidFill>
+                  <a:srgbClr val="333333"/>
+                </a:solidFill>
+                <a:effectLst/>
+                <a:latin typeface="Courier New" panose="02070309020205020404" pitchFamily="49" charset="0"/>
+              </a:rPr>
+              <a:t>&gt;&gt;&gt;</a:t>
+            </a:r>
+            <a:r>
+              <a:rPr kumimoji="0" lang="en-US" altLang="en-US" sz="1400" b="0" i="0" u="none" strike="noStrike" cap="none" normalizeH="0" baseline="0" dirty="0">
+                <a:ln>
+                  <a:noFill/>
+                </a:ln>
+                <a:solidFill>
+                  <a:srgbClr val="222222"/>
+                </a:solidFill>
+                <a:effectLst/>
+                <a:latin typeface="Courier New" panose="02070309020205020404" pitchFamily="49" charset="0"/>
+              </a:rPr>
+              <a:t> b </a:t>
+            </a:r>
+            <a:r>
+              <a:rPr kumimoji="0" lang="en-US" altLang="en-US" sz="1400" b="1" i="0" u="none" strike="noStrike" cap="none" normalizeH="0" baseline="0" dirty="0">
+                <a:ln>
+                  <a:noFill/>
+                </a:ln>
+                <a:solidFill>
+                  <a:srgbClr val="000000"/>
+                </a:solidFill>
+                <a:effectLst/>
+                <a:latin typeface="Courier New" panose="02070309020205020404" pitchFamily="49" charset="0"/>
+              </a:rPr>
+              <a:t>is</a:t>
+            </a:r>
+            <a:r>
+              <a:rPr kumimoji="0" lang="en-US" altLang="en-US" sz="1400" b="0" i="0" u="none" strike="noStrike" cap="none" normalizeH="0" baseline="0" dirty="0">
+                <a:ln>
+                  <a:noFill/>
+                </a:ln>
+                <a:solidFill>
+                  <a:srgbClr val="222222"/>
+                </a:solidFill>
+                <a:effectLst/>
+                <a:latin typeface="Courier New" panose="02070309020205020404" pitchFamily="49" charset="0"/>
+              </a:rPr>
+              <a:t> </a:t>
+            </a:r>
+            <a:r>
+              <a:rPr kumimoji="0" lang="en-US" altLang="en-US" sz="1400" b="0" i="0" u="none" strike="noStrike" cap="none" normalizeH="0" baseline="0" dirty="0" err="1">
+                <a:ln>
+                  <a:noFill/>
+                </a:ln>
+                <a:solidFill>
+                  <a:srgbClr val="222222"/>
+                </a:solidFill>
+                <a:effectLst/>
+                <a:latin typeface="Courier New" panose="02070309020205020404" pitchFamily="49" charset="0"/>
+              </a:rPr>
+              <a:t>lst</a:t>
+            </a:r>
+            <a:r>
+              <a:rPr kumimoji="0" lang="en-US" altLang="en-US" sz="1400" b="0" i="0" u="none" strike="noStrike" cap="none" normalizeH="0" baseline="0" dirty="0">
+                <a:ln>
+                  <a:noFill/>
+                </a:ln>
+                <a:solidFill>
+                  <a:srgbClr val="222222"/>
+                </a:solidFill>
+                <a:effectLst/>
+                <a:latin typeface="Courier New" panose="02070309020205020404" pitchFamily="49" charset="0"/>
+              </a:rPr>
+              <a:t> </a:t>
+            </a:r>
+          </a:p>
+          <a:p>
+            <a:pPr marL="0" marR="0" lvl="0" indent="0" algn="l" defTabSz="914400" rtl="0" eaLnBrk="0" fontAlgn="base" latinLnBrk="0" hangingPunct="0">
+              <a:lnSpc>
+                <a:spcPct val="100000"/>
+              </a:lnSpc>
+              <a:spcBef>
+                <a:spcPct val="0"/>
+              </a:spcBef>
+              <a:spcAft>
+                <a:spcPct val="0"/>
+              </a:spcAft>
+              <a:buClrTx/>
+              <a:buSzTx/>
+              <a:buFontTx/>
+              <a:buNone/>
+              <a:tabLst/>
+            </a:pPr>
+            <a:r>
+              <a:rPr kumimoji="0" lang="en-US" altLang="en-US" sz="1400" b="1" i="0" u="none" strike="noStrike" cap="none" normalizeH="0" baseline="0" dirty="0">
+                <a:ln>
+                  <a:noFill/>
+                </a:ln>
+                <a:solidFill>
+                  <a:srgbClr val="008800"/>
+                </a:solidFill>
+                <a:effectLst/>
+                <a:latin typeface="Courier New" panose="02070309020205020404" pitchFamily="49" charset="0"/>
+              </a:rPr>
+              <a:t>False</a:t>
+            </a:r>
+            <a:r>
+              <a:rPr kumimoji="0" lang="en-US" altLang="en-US" sz="1400" b="0" i="0" u="none" strike="noStrike" cap="none" normalizeH="0" baseline="0" dirty="0">
+                <a:ln>
+                  <a:noFill/>
+                </a:ln>
+                <a:solidFill>
+                  <a:schemeClr val="tx1"/>
+                </a:solidFill>
+                <a:effectLst/>
+              </a:rPr>
+              <a:t> </a:t>
+            </a:r>
+            <a:endParaRPr kumimoji="0" lang="en-US" altLang="en-US" sz="1400" b="0" i="0" u="none" strike="noStrike" cap="none" normalizeH="0" baseline="0" dirty="0">
+              <a:ln>
+                <a:noFill/>
+              </a:ln>
+              <a:solidFill>
+                <a:schemeClr val="tx1"/>
+              </a:solidFill>
+              <a:effectLst/>
+              <a:latin typeface="Arial" panose="020B0604020202020204" pitchFamily="34" charset="0"/>
+            </a:endParaRPr>
+          </a:p>
+        </p:txBody>
+      </p:sp>
+      <p:cxnSp>
+        <p:nvCxnSpPr>
+          <p:cNvPr id="7" name="Straight Connector 6">
+            <a:extLst>
+              <a:ext uri="{FF2B5EF4-FFF2-40B4-BE49-F238E27FC236}">
+                <a16:creationId xmlns:a16="http://schemas.microsoft.com/office/drawing/2014/main" id="{780F28FE-9D5F-4C74-8BC5-8386F24D2249}"/>
+              </a:ext>
+            </a:extLst>
+          </p:cNvPr>
+          <p:cNvCxnSpPr/>
+          <p:nvPr/>
+        </p:nvCxnSpPr>
+        <p:spPr>
+          <a:xfrm>
+            <a:off x="5202315" y="852256"/>
+            <a:ext cx="0" cy="6005744"/>
+          </a:xfrm>
+          <a:prstGeom prst="line">
+            <a:avLst/>
+          </a:prstGeom>
+        </p:spPr>
+        <p:style>
+          <a:lnRef idx="1">
+            <a:schemeClr val="accent1"/>
+          </a:lnRef>
+          <a:fillRef idx="0">
+            <a:schemeClr val="accent1"/>
+          </a:fillRef>
+          <a:effectRef idx="0">
+            <a:schemeClr val="accent1"/>
+          </a:effectRef>
+          <a:fontRef idx="minor">
+            <a:schemeClr val="tx1"/>
+          </a:fontRef>
+        </p:style>
+      </p:cxnSp>
     </p:spTree>
     <p:extLst>
       <p:ext uri="{BB962C8B-B14F-4D97-AF65-F5344CB8AC3E}">
@@ -4351,8 +7876,13 @@
             <a:pPr algn="ctr"/>
             <a:r>
               <a:rPr lang="en-US" dirty="0"/>
-              <a:t> l1.pop()</a:t>
-            </a:r>
+              <a:t> l1.pop()  or </a:t>
+            </a:r>
+            <a:r>
+              <a:rPr lang="en-US"/>
+              <a:t>using index l1.pop(0)</a:t>
+            </a:r>
+            <a:endParaRPr lang="en-US" dirty="0"/>
           </a:p>
           <a:p>
             <a:pPr algn="ctr"/>
@@ -5307,7 +8837,7 @@
             <a:pPr algn="ctr"/>
             <a:r>
               <a:rPr lang="en-US" dirty="0"/>
-              <a:t> l1+l2</a:t>
+              <a:t> l1 + l2</a:t>
             </a:r>
           </a:p>
           <a:p>
@@ -6023,6 +9553,1085 @@
     <p:extLst>
       <p:ext uri="{BB962C8B-B14F-4D97-AF65-F5344CB8AC3E}">
         <p14:creationId xmlns:p14="http://schemas.microsoft.com/office/powerpoint/2010/main" val="3723084735"/>
+      </p:ext>
+    </p:extLst>
+  </p:cSld>
+  <p:clrMapOvr>
+    <a:masterClrMapping/>
+  </p:clrMapOvr>
+</p:sld>
+</file>
+
+<file path=ppt/slides/slide9.xml><?xml version="1.0" encoding="utf-8"?>
+<p:sld xmlns:a="http://schemas.openxmlformats.org/drawingml/2006/main" xmlns:r="http://schemas.openxmlformats.org/officeDocument/2006/relationships" xmlns:p="http://schemas.openxmlformats.org/presentationml/2006/main">
+  <p:cSld>
+    <p:spTree>
+      <p:nvGrpSpPr>
+        <p:cNvPr id="1" name=""/>
+        <p:cNvGrpSpPr/>
+        <p:nvPr/>
+      </p:nvGrpSpPr>
+      <p:grpSpPr>
+        <a:xfrm>
+          <a:off x="0" y="0"/>
+          <a:ext cx="0" cy="0"/>
+          <a:chOff x="0" y="0"/>
+          <a:chExt cx="0" cy="0"/>
+        </a:xfrm>
+      </p:grpSpPr>
+      <p:sp>
+        <p:nvSpPr>
+          <p:cNvPr id="2" name="Title 1">
+            <a:extLst>
+              <a:ext uri="{FF2B5EF4-FFF2-40B4-BE49-F238E27FC236}">
+                <a16:creationId xmlns:a16="http://schemas.microsoft.com/office/drawing/2014/main" id="{1F739B86-A7F8-4089-9D40-DFCD2B1BFEFF}"/>
+              </a:ext>
+            </a:extLst>
+          </p:cNvPr>
+          <p:cNvSpPr>
+            <a:spLocks noGrp="1"/>
+          </p:cNvSpPr>
+          <p:nvPr>
+            <p:ph type="title"/>
+          </p:nvPr>
+        </p:nvSpPr>
+        <p:spPr>
+          <a:xfrm>
+            <a:off x="838200" y="365125"/>
+            <a:ext cx="10515600" cy="451621"/>
+          </a:xfrm>
+        </p:spPr>
+        <p:txBody>
+          <a:bodyPr>
+            <a:normAutofit fontScale="90000"/>
+          </a:bodyPr>
+          <a:lstStyle/>
+          <a:p>
+            <a:r>
+              <a:rPr lang="en-US" dirty="0"/>
+              <a:t>Example</a:t>
+            </a:r>
+            <a:endParaRPr lang="en-IN" dirty="0"/>
+          </a:p>
+        </p:txBody>
+      </p:sp>
+      <p:sp>
+        <p:nvSpPr>
+          <p:cNvPr id="4" name="Rectangle 1">
+            <a:extLst>
+              <a:ext uri="{FF2B5EF4-FFF2-40B4-BE49-F238E27FC236}">
+                <a16:creationId xmlns:a16="http://schemas.microsoft.com/office/drawing/2014/main" id="{B0E80809-7F5C-447E-B524-0DFA58EB6761}"/>
+              </a:ext>
+            </a:extLst>
+          </p:cNvPr>
+          <p:cNvSpPr>
+            <a:spLocks noChangeArrowheads="1"/>
+          </p:cNvSpPr>
+          <p:nvPr/>
+        </p:nvSpPr>
+        <p:spPr bwMode="auto">
+          <a:xfrm>
+            <a:off x="967666" y="1398952"/>
+            <a:ext cx="6190488" cy="4431983"/>
+          </a:xfrm>
+          <a:prstGeom prst="rect">
+            <a:avLst/>
+          </a:prstGeom>
+          <a:noFill/>
+          <a:ln>
+            <a:noFill/>
+          </a:ln>
+          <a:effectLst/>
+          <a:extLst>
+            <a:ext uri="{909E8E84-426E-40DD-AFC4-6F175D3DCCD1}">
+              <a14:hiddenFill xmlns:a14="http://schemas.microsoft.com/office/drawing/2010/main">
+                <a:solidFill>
+                  <a:schemeClr val="accent1"/>
+                </a:solidFill>
+              </a14:hiddenFill>
+            </a:ext>
+            <a:ext uri="{91240B29-F687-4F45-9708-019B960494DF}">
+              <a14:hiddenLine xmlns:a14="http://schemas.microsoft.com/office/drawing/2010/main" w="9525">
+                <a:solidFill>
+                  <a:schemeClr val="tx1"/>
+                </a:solidFill>
+                <a:miter lim="800000"/>
+                <a:headEnd/>
+                <a:tailEnd/>
+              </a14:hiddenLine>
+            </a:ext>
+            <a:ext uri="{AF507438-7753-43E0-B8FC-AC1667EBCBE1}">
+              <a14:hiddenEffects xmlns:a14="http://schemas.microsoft.com/office/drawing/2010/main">
+                <a:effectLst>
+                  <a:outerShdw dist="35921" dir="2700000" algn="ctr" rotWithShape="0">
+                    <a:schemeClr val="bg2"/>
+                  </a:outerShdw>
+                </a:effectLst>
+              </a14:hiddenEffects>
+            </a:ext>
+          </a:extLst>
+        </p:spPr>
+        <p:txBody>
+          <a:bodyPr vert="horz" wrap="square" lIns="0" tIns="0" rIns="0" bIns="0" numCol="1" anchor="ctr" anchorCtr="0" compatLnSpc="1">
+            <a:prstTxWarp prst="textNoShape">
+              <a:avLst/>
+            </a:prstTxWarp>
+            <a:spAutoFit/>
+          </a:bodyPr>
+          <a:lstStyle/>
+          <a:p>
+            <a:pPr marL="0" marR="0" lvl="0" indent="0" algn="l" defTabSz="914400" rtl="0" eaLnBrk="0" fontAlgn="base" latinLnBrk="0" hangingPunct="0">
+              <a:lnSpc>
+                <a:spcPct val="100000"/>
+              </a:lnSpc>
+              <a:spcBef>
+                <a:spcPct val="0"/>
+              </a:spcBef>
+              <a:spcAft>
+                <a:spcPct val="0"/>
+              </a:spcAft>
+              <a:buClrTx/>
+              <a:buSzTx/>
+              <a:buFontTx/>
+              <a:buNone/>
+              <a:tabLst/>
+            </a:pPr>
+            <a:r>
+              <a:rPr kumimoji="0" lang="en-US" altLang="en-US" b="0" i="0" u="none" strike="noStrike" cap="none" normalizeH="0" baseline="0" dirty="0">
+                <a:ln>
+                  <a:noFill/>
+                </a:ln>
+                <a:solidFill>
+                  <a:srgbClr val="888888"/>
+                </a:solidFill>
+                <a:effectLst/>
+                <a:latin typeface="Courier New" panose="02070309020205020404" pitchFamily="49" charset="0"/>
+              </a:rPr>
+              <a:t># "is" vs "==“</a:t>
+            </a:r>
+          </a:p>
+          <a:p>
+            <a:pPr marL="0" marR="0" lvl="0" indent="0" algn="l" defTabSz="914400" rtl="0" eaLnBrk="0" fontAlgn="base" latinLnBrk="0" hangingPunct="0">
+              <a:lnSpc>
+                <a:spcPct val="100000"/>
+              </a:lnSpc>
+              <a:spcBef>
+                <a:spcPct val="0"/>
+              </a:spcBef>
+              <a:spcAft>
+                <a:spcPct val="0"/>
+              </a:spcAft>
+              <a:buClrTx/>
+              <a:buSzTx/>
+              <a:buFontTx/>
+              <a:buNone/>
+              <a:tabLst/>
+            </a:pPr>
+            <a:r>
+              <a:rPr kumimoji="0" lang="en-US" altLang="en-US" b="1" i="0" u="none" strike="noStrike" cap="none" normalizeH="0" baseline="0" dirty="0">
+                <a:ln>
+                  <a:noFill/>
+                </a:ln>
+                <a:solidFill>
+                  <a:srgbClr val="C65D09"/>
+                </a:solidFill>
+                <a:effectLst/>
+                <a:latin typeface="Courier New" panose="02070309020205020404" pitchFamily="49" charset="0"/>
+              </a:rPr>
+              <a:t>&gt;&gt;&gt; </a:t>
+            </a:r>
+            <a:r>
+              <a:rPr kumimoji="0" lang="en-US" altLang="en-US" b="0" i="0" u="none" strike="noStrike" cap="none" normalizeH="0" baseline="0" dirty="0">
+                <a:ln>
+                  <a:noFill/>
+                </a:ln>
+                <a:solidFill>
+                  <a:srgbClr val="222222"/>
+                </a:solidFill>
+                <a:effectLst/>
+                <a:latin typeface="Courier New" panose="02070309020205020404" pitchFamily="49" charset="0"/>
+              </a:rPr>
+              <a:t>a </a:t>
+            </a:r>
+            <a:r>
+              <a:rPr kumimoji="0" lang="en-US" altLang="en-US" b="0" i="0" u="none" strike="noStrike" cap="none" normalizeH="0" baseline="0" dirty="0">
+                <a:ln>
+                  <a:noFill/>
+                </a:ln>
+                <a:solidFill>
+                  <a:srgbClr val="333333"/>
+                </a:solidFill>
+                <a:effectLst/>
+                <a:latin typeface="Courier New" panose="02070309020205020404" pitchFamily="49" charset="0"/>
+              </a:rPr>
+              <a:t>=</a:t>
+            </a:r>
+            <a:r>
+              <a:rPr kumimoji="0" lang="en-US" altLang="en-US" b="0" i="0" u="none" strike="noStrike" cap="none" normalizeH="0" baseline="0" dirty="0">
+                <a:ln>
+                  <a:noFill/>
+                </a:ln>
+                <a:solidFill>
+                  <a:srgbClr val="222222"/>
+                </a:solidFill>
+                <a:effectLst/>
+                <a:latin typeface="Courier New" panose="02070309020205020404" pitchFamily="49" charset="0"/>
+              </a:rPr>
+              <a:t> [</a:t>
+            </a:r>
+            <a:r>
+              <a:rPr kumimoji="0" lang="en-US" altLang="en-US" b="1" i="0" u="none" strike="noStrike" cap="none" normalizeH="0" baseline="0" dirty="0">
+                <a:ln>
+                  <a:noFill/>
+                </a:ln>
+                <a:solidFill>
+                  <a:srgbClr val="0000DD"/>
+                </a:solidFill>
+                <a:effectLst/>
+                <a:latin typeface="Courier New" panose="02070309020205020404" pitchFamily="49" charset="0"/>
+              </a:rPr>
+              <a:t>1</a:t>
+            </a:r>
+            <a:r>
+              <a:rPr kumimoji="0" lang="en-US" altLang="en-US" b="0" i="0" u="none" strike="noStrike" cap="none" normalizeH="0" baseline="0" dirty="0">
+                <a:ln>
+                  <a:noFill/>
+                </a:ln>
+                <a:solidFill>
+                  <a:srgbClr val="222222"/>
+                </a:solidFill>
+                <a:effectLst/>
+                <a:latin typeface="Courier New" panose="02070309020205020404" pitchFamily="49" charset="0"/>
+              </a:rPr>
+              <a:t>, </a:t>
+            </a:r>
+            <a:r>
+              <a:rPr kumimoji="0" lang="en-US" altLang="en-US" b="1" i="0" u="none" strike="noStrike" cap="none" normalizeH="0" baseline="0" dirty="0">
+                <a:ln>
+                  <a:noFill/>
+                </a:ln>
+                <a:solidFill>
+                  <a:srgbClr val="0000DD"/>
+                </a:solidFill>
+                <a:effectLst/>
+                <a:latin typeface="Courier New" panose="02070309020205020404" pitchFamily="49" charset="0"/>
+              </a:rPr>
+              <a:t>2</a:t>
+            </a:r>
+            <a:r>
+              <a:rPr kumimoji="0" lang="en-US" altLang="en-US" b="0" i="0" u="none" strike="noStrike" cap="none" normalizeH="0" baseline="0" dirty="0">
+                <a:ln>
+                  <a:noFill/>
+                </a:ln>
+                <a:solidFill>
+                  <a:srgbClr val="222222"/>
+                </a:solidFill>
+                <a:effectLst/>
+                <a:latin typeface="Courier New" panose="02070309020205020404" pitchFamily="49" charset="0"/>
+              </a:rPr>
+              <a:t>, </a:t>
+            </a:r>
+            <a:r>
+              <a:rPr kumimoji="0" lang="en-US" altLang="en-US" b="1" i="0" u="none" strike="noStrike" cap="none" normalizeH="0" baseline="0" dirty="0">
+                <a:ln>
+                  <a:noFill/>
+                </a:ln>
+                <a:solidFill>
+                  <a:srgbClr val="0000DD"/>
+                </a:solidFill>
+                <a:effectLst/>
+                <a:latin typeface="Courier New" panose="02070309020205020404" pitchFamily="49" charset="0"/>
+              </a:rPr>
+              <a:t>3</a:t>
+            </a:r>
+            <a:r>
+              <a:rPr kumimoji="0" lang="en-US" altLang="en-US" b="0" i="0" u="none" strike="noStrike" cap="none" normalizeH="0" baseline="0" dirty="0">
+                <a:ln>
+                  <a:noFill/>
+                </a:ln>
+                <a:solidFill>
+                  <a:srgbClr val="222222"/>
+                </a:solidFill>
+                <a:effectLst/>
+                <a:latin typeface="Courier New" panose="02070309020205020404" pitchFamily="49" charset="0"/>
+              </a:rPr>
+              <a:t>] </a:t>
+            </a:r>
+          </a:p>
+          <a:p>
+            <a:pPr marL="0" marR="0" lvl="0" indent="0" algn="l" defTabSz="914400" rtl="0" eaLnBrk="0" fontAlgn="base" latinLnBrk="0" hangingPunct="0">
+              <a:lnSpc>
+                <a:spcPct val="100000"/>
+              </a:lnSpc>
+              <a:spcBef>
+                <a:spcPct val="0"/>
+              </a:spcBef>
+              <a:spcAft>
+                <a:spcPct val="0"/>
+              </a:spcAft>
+              <a:buClrTx/>
+              <a:buSzTx/>
+              <a:buFontTx/>
+              <a:buNone/>
+              <a:tabLst/>
+            </a:pPr>
+            <a:r>
+              <a:rPr kumimoji="0" lang="en-US" altLang="en-US" b="1" i="0" u="none" strike="noStrike" cap="none" normalizeH="0" baseline="0" dirty="0">
+                <a:ln>
+                  <a:noFill/>
+                </a:ln>
+                <a:solidFill>
+                  <a:srgbClr val="C65D09"/>
+                </a:solidFill>
+                <a:effectLst/>
+                <a:latin typeface="Courier New" panose="02070309020205020404" pitchFamily="49" charset="0"/>
+              </a:rPr>
+              <a:t>&gt;&gt;&gt; </a:t>
+            </a:r>
+            <a:r>
+              <a:rPr kumimoji="0" lang="en-US" altLang="en-US" b="0" i="0" u="none" strike="noStrike" cap="none" normalizeH="0" baseline="0" dirty="0">
+                <a:ln>
+                  <a:noFill/>
+                </a:ln>
+                <a:solidFill>
+                  <a:srgbClr val="222222"/>
+                </a:solidFill>
+                <a:effectLst/>
+                <a:latin typeface="Courier New" panose="02070309020205020404" pitchFamily="49" charset="0"/>
+              </a:rPr>
+              <a:t>b </a:t>
+            </a:r>
+            <a:r>
+              <a:rPr kumimoji="0" lang="en-US" altLang="en-US" b="0" i="0" u="none" strike="noStrike" cap="none" normalizeH="0" baseline="0" dirty="0">
+                <a:ln>
+                  <a:noFill/>
+                </a:ln>
+                <a:solidFill>
+                  <a:srgbClr val="333333"/>
+                </a:solidFill>
+                <a:effectLst/>
+                <a:latin typeface="Courier New" panose="02070309020205020404" pitchFamily="49" charset="0"/>
+              </a:rPr>
+              <a:t>=</a:t>
+            </a:r>
+            <a:r>
+              <a:rPr kumimoji="0" lang="en-US" altLang="en-US" b="0" i="0" u="none" strike="noStrike" cap="none" normalizeH="0" baseline="0" dirty="0">
+                <a:ln>
+                  <a:noFill/>
+                </a:ln>
+                <a:solidFill>
+                  <a:srgbClr val="222222"/>
+                </a:solidFill>
+                <a:effectLst/>
+                <a:latin typeface="Courier New" panose="02070309020205020404" pitchFamily="49" charset="0"/>
+              </a:rPr>
+              <a:t> a </a:t>
+            </a:r>
+          </a:p>
+          <a:p>
+            <a:pPr marL="0" marR="0" lvl="0" indent="0" algn="l" defTabSz="914400" rtl="0" eaLnBrk="0" fontAlgn="base" latinLnBrk="0" hangingPunct="0">
+              <a:lnSpc>
+                <a:spcPct val="100000"/>
+              </a:lnSpc>
+              <a:spcBef>
+                <a:spcPct val="0"/>
+              </a:spcBef>
+              <a:spcAft>
+                <a:spcPct val="0"/>
+              </a:spcAft>
+              <a:buClrTx/>
+              <a:buSzTx/>
+              <a:buFontTx/>
+              <a:buNone/>
+              <a:tabLst/>
+            </a:pPr>
+            <a:r>
+              <a:rPr kumimoji="0" lang="en-US" altLang="en-US" b="1" i="0" u="none" strike="noStrike" cap="none" normalizeH="0" baseline="0" dirty="0">
+                <a:ln>
+                  <a:noFill/>
+                </a:ln>
+                <a:solidFill>
+                  <a:srgbClr val="C65D09"/>
+                </a:solidFill>
+                <a:effectLst/>
+                <a:latin typeface="Courier New" panose="02070309020205020404" pitchFamily="49" charset="0"/>
+              </a:rPr>
+              <a:t>&gt;&gt;&gt; </a:t>
+            </a:r>
+            <a:r>
+              <a:rPr kumimoji="0" lang="en-US" altLang="en-US" b="0" i="0" u="none" strike="noStrike" cap="none" normalizeH="0" baseline="0" dirty="0">
+                <a:ln>
+                  <a:noFill/>
+                </a:ln>
+                <a:solidFill>
+                  <a:srgbClr val="222222"/>
+                </a:solidFill>
+                <a:effectLst/>
+                <a:latin typeface="Courier New" panose="02070309020205020404" pitchFamily="49" charset="0"/>
+              </a:rPr>
+              <a:t>a </a:t>
+            </a:r>
+            <a:r>
+              <a:rPr kumimoji="0" lang="en-US" altLang="en-US" b="1" i="0" u="none" strike="noStrike" cap="none" normalizeH="0" baseline="0" dirty="0">
+                <a:ln>
+                  <a:noFill/>
+                </a:ln>
+                <a:solidFill>
+                  <a:srgbClr val="000000"/>
+                </a:solidFill>
+                <a:effectLst/>
+                <a:latin typeface="Courier New" panose="02070309020205020404" pitchFamily="49" charset="0"/>
+              </a:rPr>
+              <a:t>is</a:t>
+            </a:r>
+            <a:r>
+              <a:rPr kumimoji="0" lang="en-US" altLang="en-US" b="0" i="0" u="none" strike="noStrike" cap="none" normalizeH="0" baseline="0" dirty="0">
+                <a:ln>
+                  <a:noFill/>
+                </a:ln>
+                <a:solidFill>
+                  <a:srgbClr val="222222"/>
+                </a:solidFill>
+                <a:effectLst/>
+                <a:latin typeface="Courier New" panose="02070309020205020404" pitchFamily="49" charset="0"/>
+              </a:rPr>
+              <a:t> b </a:t>
+            </a:r>
+          </a:p>
+          <a:p>
+            <a:pPr marL="0" marR="0" lvl="0" indent="0" algn="l" defTabSz="914400" rtl="0" eaLnBrk="0" fontAlgn="base" latinLnBrk="0" hangingPunct="0">
+              <a:lnSpc>
+                <a:spcPct val="100000"/>
+              </a:lnSpc>
+              <a:spcBef>
+                <a:spcPct val="0"/>
+              </a:spcBef>
+              <a:spcAft>
+                <a:spcPct val="0"/>
+              </a:spcAft>
+              <a:buClrTx/>
+              <a:buSzTx/>
+              <a:buFontTx/>
+              <a:buNone/>
+              <a:tabLst/>
+            </a:pPr>
+            <a:r>
+              <a:rPr kumimoji="0" lang="en-US" altLang="en-US" b="0" i="0" u="none" strike="noStrike" cap="none" normalizeH="0" baseline="0" dirty="0">
+                <a:ln>
+                  <a:noFill/>
+                </a:ln>
+                <a:solidFill>
+                  <a:srgbClr val="888888"/>
+                </a:solidFill>
+                <a:effectLst/>
+                <a:latin typeface="Courier New" panose="02070309020205020404" pitchFamily="49" charset="0"/>
+              </a:rPr>
+              <a:t>True</a:t>
+            </a:r>
+            <a:r>
+              <a:rPr kumimoji="0" lang="en-US" altLang="en-US" b="0" i="0" u="none" strike="noStrike" cap="none" normalizeH="0" baseline="0" dirty="0">
+                <a:ln>
+                  <a:noFill/>
+                </a:ln>
+                <a:solidFill>
+                  <a:srgbClr val="222222"/>
+                </a:solidFill>
+                <a:effectLst/>
+                <a:latin typeface="Courier New" panose="02070309020205020404" pitchFamily="49" charset="0"/>
+              </a:rPr>
+              <a:t> </a:t>
+            </a:r>
+          </a:p>
+          <a:p>
+            <a:pPr marL="0" marR="0" lvl="0" indent="0" algn="l" defTabSz="914400" rtl="0" eaLnBrk="0" fontAlgn="base" latinLnBrk="0" hangingPunct="0">
+              <a:lnSpc>
+                <a:spcPct val="100000"/>
+              </a:lnSpc>
+              <a:spcBef>
+                <a:spcPct val="0"/>
+              </a:spcBef>
+              <a:spcAft>
+                <a:spcPct val="0"/>
+              </a:spcAft>
+              <a:buClrTx/>
+              <a:buSzTx/>
+              <a:buFontTx/>
+              <a:buNone/>
+              <a:tabLst/>
+            </a:pPr>
+            <a:r>
+              <a:rPr kumimoji="0" lang="en-US" altLang="en-US" b="1" i="0" u="none" strike="noStrike" cap="none" normalizeH="0" baseline="0" dirty="0">
+                <a:ln>
+                  <a:noFill/>
+                </a:ln>
+                <a:solidFill>
+                  <a:srgbClr val="C65D09"/>
+                </a:solidFill>
+                <a:effectLst/>
+                <a:latin typeface="Courier New" panose="02070309020205020404" pitchFamily="49" charset="0"/>
+              </a:rPr>
+              <a:t>&gt;&gt;&gt; </a:t>
+            </a:r>
+            <a:r>
+              <a:rPr kumimoji="0" lang="en-US" altLang="en-US" b="0" i="0" u="none" strike="noStrike" cap="none" normalizeH="0" baseline="0" dirty="0">
+                <a:ln>
+                  <a:noFill/>
+                </a:ln>
+                <a:solidFill>
+                  <a:srgbClr val="222222"/>
+                </a:solidFill>
+                <a:effectLst/>
+                <a:latin typeface="Courier New" panose="02070309020205020404" pitchFamily="49" charset="0"/>
+              </a:rPr>
+              <a:t>a </a:t>
+            </a:r>
+            <a:r>
+              <a:rPr kumimoji="0" lang="en-US" altLang="en-US" b="0" i="0" u="none" strike="noStrike" cap="none" normalizeH="0" baseline="0" dirty="0">
+                <a:ln>
+                  <a:noFill/>
+                </a:ln>
+                <a:solidFill>
+                  <a:srgbClr val="333333"/>
+                </a:solidFill>
+                <a:effectLst/>
+                <a:latin typeface="Courier New" panose="02070309020205020404" pitchFamily="49" charset="0"/>
+              </a:rPr>
+              <a:t>==</a:t>
+            </a:r>
+            <a:r>
+              <a:rPr kumimoji="0" lang="en-US" altLang="en-US" b="0" i="0" u="none" strike="noStrike" cap="none" normalizeH="0" baseline="0" dirty="0">
+                <a:ln>
+                  <a:noFill/>
+                </a:ln>
+                <a:solidFill>
+                  <a:srgbClr val="222222"/>
+                </a:solidFill>
+                <a:effectLst/>
+                <a:latin typeface="Courier New" panose="02070309020205020404" pitchFamily="49" charset="0"/>
+              </a:rPr>
+              <a:t> b </a:t>
+            </a:r>
+          </a:p>
+          <a:p>
+            <a:pPr marL="0" marR="0" lvl="0" indent="0" algn="l" defTabSz="914400" rtl="0" eaLnBrk="0" fontAlgn="base" latinLnBrk="0" hangingPunct="0">
+              <a:lnSpc>
+                <a:spcPct val="100000"/>
+              </a:lnSpc>
+              <a:spcBef>
+                <a:spcPct val="0"/>
+              </a:spcBef>
+              <a:spcAft>
+                <a:spcPct val="0"/>
+              </a:spcAft>
+              <a:buClrTx/>
+              <a:buSzTx/>
+              <a:buFontTx/>
+              <a:buNone/>
+              <a:tabLst/>
+            </a:pPr>
+            <a:r>
+              <a:rPr kumimoji="0" lang="en-US" altLang="en-US" b="0" i="0" u="none" strike="noStrike" cap="none" normalizeH="0" baseline="0" dirty="0">
+                <a:ln>
+                  <a:noFill/>
+                </a:ln>
+                <a:solidFill>
+                  <a:srgbClr val="888888"/>
+                </a:solidFill>
+                <a:effectLst/>
+                <a:latin typeface="Courier New" panose="02070309020205020404" pitchFamily="49" charset="0"/>
+              </a:rPr>
+              <a:t>True</a:t>
+            </a:r>
+          </a:p>
+          <a:p>
+            <a:pPr marL="0" marR="0" lvl="0" indent="0" algn="l" defTabSz="914400" rtl="0" eaLnBrk="0" fontAlgn="base" latinLnBrk="0" hangingPunct="0">
+              <a:lnSpc>
+                <a:spcPct val="100000"/>
+              </a:lnSpc>
+              <a:spcBef>
+                <a:spcPct val="0"/>
+              </a:spcBef>
+              <a:spcAft>
+                <a:spcPct val="0"/>
+              </a:spcAft>
+              <a:buClrTx/>
+              <a:buSzTx/>
+              <a:buFontTx/>
+              <a:buNone/>
+              <a:tabLst/>
+            </a:pPr>
+            <a:r>
+              <a:rPr kumimoji="0" lang="en-US" altLang="en-US" b="1" i="0" u="none" strike="noStrike" cap="none" normalizeH="0" baseline="0" dirty="0">
+                <a:ln>
+                  <a:noFill/>
+                </a:ln>
+                <a:solidFill>
+                  <a:srgbClr val="C65D09"/>
+                </a:solidFill>
+                <a:effectLst/>
+                <a:latin typeface="Courier New" panose="02070309020205020404" pitchFamily="49" charset="0"/>
+              </a:rPr>
+              <a:t>&gt;&gt;&gt; </a:t>
+            </a:r>
+            <a:r>
+              <a:rPr kumimoji="0" lang="en-US" altLang="en-US" b="0" i="0" u="none" strike="noStrike" cap="none" normalizeH="0" baseline="0" dirty="0">
+                <a:ln>
+                  <a:noFill/>
+                </a:ln>
+                <a:solidFill>
+                  <a:srgbClr val="222222"/>
+                </a:solidFill>
+                <a:effectLst/>
+                <a:latin typeface="Courier New" panose="02070309020205020404" pitchFamily="49" charset="0"/>
+              </a:rPr>
+              <a:t>c </a:t>
+            </a:r>
+            <a:r>
+              <a:rPr kumimoji="0" lang="en-US" altLang="en-US" b="0" i="0" u="none" strike="noStrike" cap="none" normalizeH="0" baseline="0" dirty="0">
+                <a:ln>
+                  <a:noFill/>
+                </a:ln>
+                <a:solidFill>
+                  <a:srgbClr val="333333"/>
+                </a:solidFill>
+                <a:effectLst/>
+                <a:latin typeface="Courier New" panose="02070309020205020404" pitchFamily="49" charset="0"/>
+              </a:rPr>
+              <a:t>=</a:t>
+            </a:r>
+            <a:r>
+              <a:rPr kumimoji="0" lang="en-US" altLang="en-US" b="0" i="0" u="none" strike="noStrike" cap="none" normalizeH="0" baseline="0" dirty="0">
+                <a:ln>
+                  <a:noFill/>
+                </a:ln>
+                <a:solidFill>
+                  <a:srgbClr val="222222"/>
+                </a:solidFill>
+                <a:effectLst/>
+                <a:latin typeface="Courier New" panose="02070309020205020404" pitchFamily="49" charset="0"/>
+              </a:rPr>
+              <a:t> </a:t>
+            </a:r>
+            <a:r>
+              <a:rPr kumimoji="0" lang="en-US" altLang="en-US" b="0" i="0" u="none" strike="noStrike" cap="none" normalizeH="0" baseline="0" dirty="0">
+                <a:ln>
+                  <a:noFill/>
+                </a:ln>
+                <a:solidFill>
+                  <a:srgbClr val="007020"/>
+                </a:solidFill>
+                <a:effectLst/>
+                <a:latin typeface="Courier New" panose="02070309020205020404" pitchFamily="49" charset="0"/>
+              </a:rPr>
+              <a:t>list</a:t>
+            </a:r>
+            <a:r>
+              <a:rPr kumimoji="0" lang="en-US" altLang="en-US" b="0" i="0" u="none" strike="noStrike" cap="none" normalizeH="0" baseline="0" dirty="0">
+                <a:ln>
+                  <a:noFill/>
+                </a:ln>
+                <a:solidFill>
+                  <a:srgbClr val="222222"/>
+                </a:solidFill>
+                <a:effectLst/>
+                <a:latin typeface="Courier New" panose="02070309020205020404" pitchFamily="49" charset="0"/>
+              </a:rPr>
+              <a:t>(a) </a:t>
+            </a:r>
+          </a:p>
+          <a:p>
+            <a:pPr marL="0" marR="0" lvl="0" indent="0" algn="l" defTabSz="914400" rtl="0" eaLnBrk="0" fontAlgn="base" latinLnBrk="0" hangingPunct="0">
+              <a:lnSpc>
+                <a:spcPct val="100000"/>
+              </a:lnSpc>
+              <a:spcBef>
+                <a:spcPct val="0"/>
+              </a:spcBef>
+              <a:spcAft>
+                <a:spcPct val="0"/>
+              </a:spcAft>
+              <a:buClrTx/>
+              <a:buSzTx/>
+              <a:buFontTx/>
+              <a:buNone/>
+              <a:tabLst/>
+            </a:pPr>
+            <a:r>
+              <a:rPr kumimoji="0" lang="en-US" altLang="en-US" b="1" i="0" u="none" strike="noStrike" cap="none" normalizeH="0" baseline="0" dirty="0">
+                <a:ln>
+                  <a:noFill/>
+                </a:ln>
+                <a:solidFill>
+                  <a:srgbClr val="C65D09"/>
+                </a:solidFill>
+                <a:effectLst/>
+                <a:latin typeface="Courier New" panose="02070309020205020404" pitchFamily="49" charset="0"/>
+              </a:rPr>
+              <a:t>&gt;&gt;&gt; </a:t>
+            </a:r>
+            <a:r>
+              <a:rPr kumimoji="0" lang="en-US" altLang="en-US" b="0" i="0" u="none" strike="noStrike" cap="none" normalizeH="0" baseline="0" dirty="0">
+                <a:ln>
+                  <a:noFill/>
+                </a:ln>
+                <a:solidFill>
+                  <a:srgbClr val="222222"/>
+                </a:solidFill>
+                <a:effectLst/>
+                <a:latin typeface="Courier New" panose="02070309020205020404" pitchFamily="49" charset="0"/>
+              </a:rPr>
+              <a:t>a </a:t>
+            </a:r>
+            <a:r>
+              <a:rPr kumimoji="0" lang="en-US" altLang="en-US" b="0" i="0" u="none" strike="noStrike" cap="none" normalizeH="0" baseline="0" dirty="0">
+                <a:ln>
+                  <a:noFill/>
+                </a:ln>
+                <a:solidFill>
+                  <a:srgbClr val="333333"/>
+                </a:solidFill>
+                <a:effectLst/>
+                <a:latin typeface="Courier New" panose="02070309020205020404" pitchFamily="49" charset="0"/>
+              </a:rPr>
+              <a:t>==</a:t>
+            </a:r>
+            <a:r>
+              <a:rPr kumimoji="0" lang="en-US" altLang="en-US" b="0" i="0" u="none" strike="noStrike" cap="none" normalizeH="0" baseline="0" dirty="0">
+                <a:ln>
+                  <a:noFill/>
+                </a:ln>
+                <a:solidFill>
+                  <a:srgbClr val="222222"/>
+                </a:solidFill>
+                <a:effectLst/>
+                <a:latin typeface="Courier New" panose="02070309020205020404" pitchFamily="49" charset="0"/>
+              </a:rPr>
+              <a:t> c </a:t>
+            </a:r>
+          </a:p>
+          <a:p>
+            <a:pPr marL="0" marR="0" lvl="0" indent="0" algn="l" defTabSz="914400" rtl="0" eaLnBrk="0" fontAlgn="base" latinLnBrk="0" hangingPunct="0">
+              <a:lnSpc>
+                <a:spcPct val="100000"/>
+              </a:lnSpc>
+              <a:spcBef>
+                <a:spcPct val="0"/>
+              </a:spcBef>
+              <a:spcAft>
+                <a:spcPct val="0"/>
+              </a:spcAft>
+              <a:buClrTx/>
+              <a:buSzTx/>
+              <a:buFontTx/>
+              <a:buNone/>
+              <a:tabLst/>
+            </a:pPr>
+            <a:r>
+              <a:rPr kumimoji="0" lang="en-US" altLang="en-US" b="0" i="0" u="none" strike="noStrike" cap="none" normalizeH="0" baseline="0" dirty="0">
+                <a:ln>
+                  <a:noFill/>
+                </a:ln>
+                <a:solidFill>
+                  <a:srgbClr val="888888"/>
+                </a:solidFill>
+                <a:effectLst/>
+                <a:latin typeface="Courier New" panose="02070309020205020404" pitchFamily="49" charset="0"/>
+              </a:rPr>
+              <a:t>True</a:t>
+            </a:r>
+            <a:r>
+              <a:rPr kumimoji="0" lang="en-US" altLang="en-US" b="0" i="0" u="none" strike="noStrike" cap="none" normalizeH="0" baseline="0" dirty="0">
+                <a:ln>
+                  <a:noFill/>
+                </a:ln>
+                <a:solidFill>
+                  <a:srgbClr val="222222"/>
+                </a:solidFill>
+                <a:effectLst/>
+                <a:latin typeface="Courier New" panose="02070309020205020404" pitchFamily="49" charset="0"/>
+              </a:rPr>
+              <a:t> </a:t>
+            </a:r>
+          </a:p>
+          <a:p>
+            <a:pPr marL="0" marR="0" lvl="0" indent="0" algn="l" defTabSz="914400" rtl="0" eaLnBrk="0" fontAlgn="base" latinLnBrk="0" hangingPunct="0">
+              <a:lnSpc>
+                <a:spcPct val="100000"/>
+              </a:lnSpc>
+              <a:spcBef>
+                <a:spcPct val="0"/>
+              </a:spcBef>
+              <a:spcAft>
+                <a:spcPct val="0"/>
+              </a:spcAft>
+              <a:buClrTx/>
+              <a:buSzTx/>
+              <a:buFontTx/>
+              <a:buNone/>
+              <a:tabLst/>
+            </a:pPr>
+            <a:r>
+              <a:rPr kumimoji="0" lang="en-US" altLang="en-US" b="1" i="0" u="none" strike="noStrike" cap="none" normalizeH="0" baseline="0" dirty="0">
+                <a:ln>
+                  <a:noFill/>
+                </a:ln>
+                <a:solidFill>
+                  <a:srgbClr val="C65D09"/>
+                </a:solidFill>
+                <a:effectLst/>
+                <a:latin typeface="Courier New" panose="02070309020205020404" pitchFamily="49" charset="0"/>
+              </a:rPr>
+              <a:t>&gt;&gt;&gt; </a:t>
+            </a:r>
+            <a:r>
+              <a:rPr kumimoji="0" lang="en-US" altLang="en-US" b="0" i="0" u="none" strike="noStrike" cap="none" normalizeH="0" baseline="0" dirty="0">
+                <a:ln>
+                  <a:noFill/>
+                </a:ln>
+                <a:solidFill>
+                  <a:srgbClr val="222222"/>
+                </a:solidFill>
+                <a:effectLst/>
+                <a:latin typeface="Courier New" panose="02070309020205020404" pitchFamily="49" charset="0"/>
+              </a:rPr>
+              <a:t>a </a:t>
+            </a:r>
+            <a:r>
+              <a:rPr kumimoji="0" lang="en-US" altLang="en-US" b="1" i="0" u="none" strike="noStrike" cap="none" normalizeH="0" baseline="0" dirty="0">
+                <a:ln>
+                  <a:noFill/>
+                </a:ln>
+                <a:solidFill>
+                  <a:srgbClr val="000000"/>
+                </a:solidFill>
+                <a:effectLst/>
+                <a:latin typeface="Courier New" panose="02070309020205020404" pitchFamily="49" charset="0"/>
+              </a:rPr>
+              <a:t>is</a:t>
+            </a:r>
+            <a:r>
+              <a:rPr kumimoji="0" lang="en-US" altLang="en-US" b="0" i="0" u="none" strike="noStrike" cap="none" normalizeH="0" baseline="0" dirty="0">
+                <a:ln>
+                  <a:noFill/>
+                </a:ln>
+                <a:solidFill>
+                  <a:srgbClr val="222222"/>
+                </a:solidFill>
+                <a:effectLst/>
+                <a:latin typeface="Courier New" panose="02070309020205020404" pitchFamily="49" charset="0"/>
+              </a:rPr>
+              <a:t> c </a:t>
+            </a:r>
+          </a:p>
+          <a:p>
+            <a:pPr marL="0" marR="0" lvl="0" indent="0" algn="l" defTabSz="914400" rtl="0" eaLnBrk="0" fontAlgn="base" latinLnBrk="0" hangingPunct="0">
+              <a:lnSpc>
+                <a:spcPct val="100000"/>
+              </a:lnSpc>
+              <a:spcBef>
+                <a:spcPct val="0"/>
+              </a:spcBef>
+              <a:spcAft>
+                <a:spcPct val="0"/>
+              </a:spcAft>
+              <a:buClrTx/>
+              <a:buSzTx/>
+              <a:buFontTx/>
+              <a:buNone/>
+              <a:tabLst/>
+            </a:pPr>
+            <a:r>
+              <a:rPr kumimoji="0" lang="en-US" altLang="en-US" b="0" i="0" u="none" strike="noStrike" cap="none" normalizeH="0" baseline="0" dirty="0">
+                <a:ln>
+                  <a:noFill/>
+                </a:ln>
+                <a:solidFill>
+                  <a:srgbClr val="888888"/>
+                </a:solidFill>
+                <a:effectLst/>
+                <a:latin typeface="Courier New" panose="02070309020205020404" pitchFamily="49" charset="0"/>
+              </a:rPr>
+              <a:t>False</a:t>
+            </a:r>
+            <a:r>
+              <a:rPr kumimoji="0" lang="en-US" altLang="en-US" b="0" i="0" u="none" strike="noStrike" cap="none" normalizeH="0" baseline="0" dirty="0">
+                <a:ln>
+                  <a:noFill/>
+                </a:ln>
+                <a:solidFill>
+                  <a:srgbClr val="222222"/>
+                </a:solidFill>
+                <a:effectLst/>
+                <a:latin typeface="Courier New" panose="02070309020205020404" pitchFamily="49" charset="0"/>
+              </a:rPr>
+              <a:t> </a:t>
+            </a:r>
+          </a:p>
+          <a:p>
+            <a:pPr marL="0" marR="0" lvl="0" indent="0" algn="l" defTabSz="914400" rtl="0" eaLnBrk="0" fontAlgn="base" latinLnBrk="0" hangingPunct="0">
+              <a:lnSpc>
+                <a:spcPct val="100000"/>
+              </a:lnSpc>
+              <a:spcBef>
+                <a:spcPct val="0"/>
+              </a:spcBef>
+              <a:spcAft>
+                <a:spcPct val="0"/>
+              </a:spcAft>
+              <a:buClrTx/>
+              <a:buSzTx/>
+              <a:buFontTx/>
+              <a:buNone/>
+              <a:tabLst/>
+            </a:pPr>
+            <a:r>
+              <a:rPr kumimoji="0" lang="en-US" altLang="en-US" b="0" i="0" u="none" strike="noStrike" cap="none" normalizeH="0" baseline="0" dirty="0">
+                <a:ln>
+                  <a:noFill/>
+                </a:ln>
+                <a:solidFill>
+                  <a:srgbClr val="888888"/>
+                </a:solidFill>
+                <a:effectLst/>
+                <a:latin typeface="Courier New" panose="02070309020205020404" pitchFamily="49" charset="0"/>
+              </a:rPr>
+              <a:t># • "is" expressions evaluate to True if two </a:t>
+            </a:r>
+          </a:p>
+          <a:p>
+            <a:pPr marL="0" marR="0" lvl="0" indent="0" algn="l" defTabSz="914400" rtl="0" eaLnBrk="0" fontAlgn="base" latinLnBrk="0" hangingPunct="0">
+              <a:lnSpc>
+                <a:spcPct val="100000"/>
+              </a:lnSpc>
+              <a:spcBef>
+                <a:spcPct val="0"/>
+              </a:spcBef>
+              <a:spcAft>
+                <a:spcPct val="0"/>
+              </a:spcAft>
+              <a:buClrTx/>
+              <a:buSzTx/>
+              <a:buFontTx/>
+              <a:buNone/>
+              <a:tabLst/>
+            </a:pPr>
+            <a:r>
+              <a:rPr kumimoji="0" lang="en-US" altLang="en-US" b="0" i="0" u="none" strike="noStrike" cap="none" normalizeH="0" baseline="0" dirty="0">
+                <a:ln>
+                  <a:noFill/>
+                </a:ln>
+                <a:solidFill>
+                  <a:srgbClr val="888888"/>
+                </a:solidFill>
+                <a:effectLst/>
+                <a:latin typeface="Courier New" panose="02070309020205020404" pitchFamily="49" charset="0"/>
+              </a:rPr>
+              <a:t># variables point to the same object</a:t>
+            </a:r>
+            <a:r>
+              <a:rPr kumimoji="0" lang="en-US" altLang="en-US" b="0" i="0" u="none" strike="noStrike" cap="none" normalizeH="0" baseline="0" dirty="0">
+                <a:ln>
+                  <a:noFill/>
+                </a:ln>
+                <a:solidFill>
+                  <a:srgbClr val="222222"/>
+                </a:solidFill>
+                <a:effectLst/>
+                <a:latin typeface="Courier New" panose="02070309020205020404" pitchFamily="49" charset="0"/>
+              </a:rPr>
+              <a:t> </a:t>
+            </a:r>
+          </a:p>
+          <a:p>
+            <a:pPr marL="0" marR="0" lvl="0" indent="0" algn="l" defTabSz="914400" rtl="0" eaLnBrk="0" fontAlgn="base" latinLnBrk="0" hangingPunct="0">
+              <a:lnSpc>
+                <a:spcPct val="100000"/>
+              </a:lnSpc>
+              <a:spcBef>
+                <a:spcPct val="0"/>
+              </a:spcBef>
+              <a:spcAft>
+                <a:spcPct val="0"/>
+              </a:spcAft>
+              <a:buClrTx/>
+              <a:buSzTx/>
+              <a:buFontTx/>
+              <a:buNone/>
+              <a:tabLst/>
+            </a:pPr>
+            <a:r>
+              <a:rPr kumimoji="0" lang="en-US" altLang="en-US" b="0" i="0" u="none" strike="noStrike" cap="none" normalizeH="0" baseline="0" dirty="0">
+                <a:ln>
+                  <a:noFill/>
+                </a:ln>
+                <a:solidFill>
+                  <a:srgbClr val="888888"/>
+                </a:solidFill>
+                <a:effectLst/>
+                <a:latin typeface="Courier New" panose="02070309020205020404" pitchFamily="49" charset="0"/>
+              </a:rPr>
+              <a:t># • "==" evaluates to True if the objects </a:t>
+            </a:r>
+          </a:p>
+          <a:p>
+            <a:pPr marL="0" marR="0" lvl="0" indent="0" algn="l" defTabSz="914400" rtl="0" eaLnBrk="0" fontAlgn="base" latinLnBrk="0" hangingPunct="0">
+              <a:lnSpc>
+                <a:spcPct val="100000"/>
+              </a:lnSpc>
+              <a:spcBef>
+                <a:spcPct val="0"/>
+              </a:spcBef>
+              <a:spcAft>
+                <a:spcPct val="0"/>
+              </a:spcAft>
+              <a:buClrTx/>
+              <a:buSzTx/>
+              <a:buFontTx/>
+              <a:buNone/>
+              <a:tabLst/>
+            </a:pPr>
+            <a:r>
+              <a:rPr kumimoji="0" lang="en-US" altLang="en-US" b="0" i="0" u="none" strike="noStrike" cap="none" normalizeH="0" baseline="0" dirty="0">
+                <a:ln>
+                  <a:noFill/>
+                </a:ln>
+                <a:solidFill>
+                  <a:srgbClr val="888888"/>
+                </a:solidFill>
+                <a:effectLst/>
+                <a:latin typeface="Courier New" panose="02070309020205020404" pitchFamily="49" charset="0"/>
+              </a:rPr>
+              <a:t># referred to by the variables are equal</a:t>
+            </a:r>
+            <a:r>
+              <a:rPr kumimoji="0" lang="en-US" altLang="en-US" b="0" i="0" u="none" strike="noStrike" cap="none" normalizeH="0" baseline="0" dirty="0">
+                <a:ln>
+                  <a:noFill/>
+                </a:ln>
+                <a:solidFill>
+                  <a:schemeClr val="tx1"/>
+                </a:solidFill>
+                <a:effectLst/>
+              </a:rPr>
+              <a:t> </a:t>
+            </a:r>
+            <a:endParaRPr kumimoji="0" lang="en-US" altLang="en-US" b="0" i="0" u="none" strike="noStrike" cap="none" normalizeH="0" baseline="0" dirty="0">
+              <a:ln>
+                <a:noFill/>
+              </a:ln>
+              <a:solidFill>
+                <a:schemeClr val="tx1"/>
+              </a:solidFill>
+              <a:effectLst/>
+              <a:latin typeface="Arial" panose="020B0604020202020204" pitchFamily="34" charset="0"/>
+            </a:endParaRPr>
+          </a:p>
+        </p:txBody>
+      </p:sp>
+    </p:spTree>
+    <p:extLst>
+      <p:ext uri="{BB962C8B-B14F-4D97-AF65-F5344CB8AC3E}">
+        <p14:creationId xmlns:p14="http://schemas.microsoft.com/office/powerpoint/2010/main" val="642239991"/>
       </p:ext>
     </p:extLst>
   </p:cSld>
